--- a/Doc/images/architecture_overview.pptx
+++ b/Doc/images/architecture_overview.pptx
@@ -5,10 +5,13 @@
     <p:sldMasterId id="2147483660" r:id="rId1"/>
   </p:sldMasterIdLst>
   <p:notesMasterIdLst>
-    <p:notesMasterId r:id="rId3"/>
+    <p:notesMasterId r:id="rId6"/>
   </p:notesMasterIdLst>
   <p:sldIdLst>
     <p:sldId id="264" r:id="rId2"/>
+    <p:sldId id="269" r:id="rId3"/>
+    <p:sldId id="267" r:id="rId4"/>
+    <p:sldId id="268" r:id="rId5"/>
   </p:sldIdLst>
   <p:sldSz cx="9144000" cy="6858000" type="screen4x3"/>
   <p:notesSz cx="6858000" cy="9144000"/>
@@ -197,7 +200,7 @@
           <a:p>
             <a:fld id="{F941B5F4-F2E1-4378-B644-DABA8384B6E0}" type="datetimeFigureOut">
               <a:rPr lang="en-US" smtClean="0"/>
-              <a:t>6/3/2013</a:t>
+              <a:t>11/21/2013</a:t>
             </a:fld>
             <a:endParaRPr lang="en-US"/>
           </a:p>
@@ -549,6 +552,258 @@
 </p:notes>
 </file>
 
+<file path=ppt/notesSlides/notesSlide2.xml><?xml version="1.0" encoding="utf-8"?>
+<p:notes xmlns:a="http://schemas.openxmlformats.org/drawingml/2006/main" xmlns:r="http://schemas.openxmlformats.org/officeDocument/2006/relationships" xmlns:p="http://schemas.openxmlformats.org/presentationml/2006/main">
+  <p:cSld>
+    <p:spTree>
+      <p:nvGrpSpPr>
+        <p:cNvPr id="1" name=""/>
+        <p:cNvGrpSpPr/>
+        <p:nvPr/>
+      </p:nvGrpSpPr>
+      <p:grpSpPr>
+        <a:xfrm>
+          <a:off x="0" y="0"/>
+          <a:ext cx="0" cy="0"/>
+          <a:chOff x="0" y="0"/>
+          <a:chExt cx="0" cy="0"/>
+        </a:xfrm>
+      </p:grpSpPr>
+      <p:sp>
+        <p:nvSpPr>
+          <p:cNvPr id="2" name="Slide Image Placeholder 1"/>
+          <p:cNvSpPr>
+            <a:spLocks noGrp="1" noRot="1" noChangeAspect="1"/>
+          </p:cNvSpPr>
+          <p:nvPr>
+            <p:ph type="sldImg"/>
+          </p:nvPr>
+        </p:nvSpPr>
+        <p:spPr/>
+      </p:sp>
+      <p:sp>
+        <p:nvSpPr>
+          <p:cNvPr id="3" name="Notes Placeholder 2"/>
+          <p:cNvSpPr>
+            <a:spLocks noGrp="1"/>
+          </p:cNvSpPr>
+          <p:nvPr>
+            <p:ph type="body" idx="1"/>
+          </p:nvPr>
+        </p:nvSpPr>
+        <p:spPr/>
+        <p:txBody>
+          <a:bodyPr/>
+          <a:lstStyle/>
+          <a:p>
+            <a:endParaRPr lang="en-US" dirty="0"/>
+          </a:p>
+        </p:txBody>
+      </p:sp>
+      <p:sp>
+        <p:nvSpPr>
+          <p:cNvPr id="4" name="Slide Number Placeholder 3"/>
+          <p:cNvSpPr>
+            <a:spLocks noGrp="1"/>
+          </p:cNvSpPr>
+          <p:nvPr>
+            <p:ph type="sldNum" sz="quarter" idx="10"/>
+          </p:nvPr>
+        </p:nvSpPr>
+        <p:spPr/>
+        <p:txBody>
+          <a:bodyPr/>
+          <a:lstStyle/>
+          <a:p>
+            <a:fld id="{6D22E95F-7C28-476D-A125-3E82DBCFB994}" type="slidenum">
+              <a:rPr lang="en-US" smtClean="0"/>
+              <a:t>2</a:t>
+            </a:fld>
+            <a:endParaRPr lang="en-US"/>
+          </a:p>
+        </p:txBody>
+      </p:sp>
+    </p:spTree>
+    <p:extLst>
+      <p:ext uri="{BB962C8B-B14F-4D97-AF65-F5344CB8AC3E}">
+        <p14:creationId xmlns:p14="http://schemas.microsoft.com/office/powerpoint/2010/main" val="811386117"/>
+      </p:ext>
+    </p:extLst>
+  </p:cSld>
+  <p:clrMapOvr>
+    <a:masterClrMapping/>
+  </p:clrMapOvr>
+</p:notes>
+</file>
+
+<file path=ppt/notesSlides/notesSlide3.xml><?xml version="1.0" encoding="utf-8"?>
+<p:notes xmlns:a="http://schemas.openxmlformats.org/drawingml/2006/main" xmlns:r="http://schemas.openxmlformats.org/officeDocument/2006/relationships" xmlns:p="http://schemas.openxmlformats.org/presentationml/2006/main">
+  <p:cSld>
+    <p:spTree>
+      <p:nvGrpSpPr>
+        <p:cNvPr id="1" name=""/>
+        <p:cNvGrpSpPr/>
+        <p:nvPr/>
+      </p:nvGrpSpPr>
+      <p:grpSpPr>
+        <a:xfrm>
+          <a:off x="0" y="0"/>
+          <a:ext cx="0" cy="0"/>
+          <a:chOff x="0" y="0"/>
+          <a:chExt cx="0" cy="0"/>
+        </a:xfrm>
+      </p:grpSpPr>
+      <p:sp>
+        <p:nvSpPr>
+          <p:cNvPr id="2" name="Slide Image Placeholder 1"/>
+          <p:cNvSpPr>
+            <a:spLocks noGrp="1" noRot="1" noChangeAspect="1"/>
+          </p:cNvSpPr>
+          <p:nvPr>
+            <p:ph type="sldImg"/>
+          </p:nvPr>
+        </p:nvSpPr>
+        <p:spPr/>
+      </p:sp>
+      <p:sp>
+        <p:nvSpPr>
+          <p:cNvPr id="3" name="Notes Placeholder 2"/>
+          <p:cNvSpPr>
+            <a:spLocks noGrp="1"/>
+          </p:cNvSpPr>
+          <p:nvPr>
+            <p:ph type="body" idx="1"/>
+          </p:nvPr>
+        </p:nvSpPr>
+        <p:spPr/>
+        <p:txBody>
+          <a:bodyPr/>
+          <a:lstStyle/>
+          <a:p>
+            <a:endParaRPr lang="en-US" dirty="0"/>
+          </a:p>
+        </p:txBody>
+      </p:sp>
+      <p:sp>
+        <p:nvSpPr>
+          <p:cNvPr id="4" name="Slide Number Placeholder 3"/>
+          <p:cNvSpPr>
+            <a:spLocks noGrp="1"/>
+          </p:cNvSpPr>
+          <p:nvPr>
+            <p:ph type="sldNum" sz="quarter" idx="10"/>
+          </p:nvPr>
+        </p:nvSpPr>
+        <p:spPr/>
+        <p:txBody>
+          <a:bodyPr/>
+          <a:lstStyle/>
+          <a:p>
+            <a:fld id="{6D22E95F-7C28-476D-A125-3E82DBCFB994}" type="slidenum">
+              <a:rPr lang="en-US" smtClean="0"/>
+              <a:t>3</a:t>
+            </a:fld>
+            <a:endParaRPr lang="en-US"/>
+          </a:p>
+        </p:txBody>
+      </p:sp>
+    </p:spTree>
+    <p:extLst>
+      <p:ext uri="{BB962C8B-B14F-4D97-AF65-F5344CB8AC3E}">
+        <p14:creationId xmlns:p14="http://schemas.microsoft.com/office/powerpoint/2010/main" val="3840212968"/>
+      </p:ext>
+    </p:extLst>
+  </p:cSld>
+  <p:clrMapOvr>
+    <a:masterClrMapping/>
+  </p:clrMapOvr>
+</p:notes>
+</file>
+
+<file path=ppt/notesSlides/notesSlide4.xml><?xml version="1.0" encoding="utf-8"?>
+<p:notes xmlns:a="http://schemas.openxmlformats.org/drawingml/2006/main" xmlns:r="http://schemas.openxmlformats.org/officeDocument/2006/relationships" xmlns:p="http://schemas.openxmlformats.org/presentationml/2006/main">
+  <p:cSld>
+    <p:spTree>
+      <p:nvGrpSpPr>
+        <p:cNvPr id="1" name=""/>
+        <p:cNvGrpSpPr/>
+        <p:nvPr/>
+      </p:nvGrpSpPr>
+      <p:grpSpPr>
+        <a:xfrm>
+          <a:off x="0" y="0"/>
+          <a:ext cx="0" cy="0"/>
+          <a:chOff x="0" y="0"/>
+          <a:chExt cx="0" cy="0"/>
+        </a:xfrm>
+      </p:grpSpPr>
+      <p:sp>
+        <p:nvSpPr>
+          <p:cNvPr id="2" name="Slide Image Placeholder 1"/>
+          <p:cNvSpPr>
+            <a:spLocks noGrp="1" noRot="1" noChangeAspect="1"/>
+          </p:cNvSpPr>
+          <p:nvPr>
+            <p:ph type="sldImg"/>
+          </p:nvPr>
+        </p:nvSpPr>
+        <p:spPr/>
+      </p:sp>
+      <p:sp>
+        <p:nvSpPr>
+          <p:cNvPr id="3" name="Notes Placeholder 2"/>
+          <p:cNvSpPr>
+            <a:spLocks noGrp="1"/>
+          </p:cNvSpPr>
+          <p:nvPr>
+            <p:ph type="body" idx="1"/>
+          </p:nvPr>
+        </p:nvSpPr>
+        <p:spPr/>
+        <p:txBody>
+          <a:bodyPr/>
+          <a:lstStyle/>
+          <a:p>
+            <a:endParaRPr lang="en-US" dirty="0"/>
+          </a:p>
+        </p:txBody>
+      </p:sp>
+      <p:sp>
+        <p:nvSpPr>
+          <p:cNvPr id="4" name="Slide Number Placeholder 3"/>
+          <p:cNvSpPr>
+            <a:spLocks noGrp="1"/>
+          </p:cNvSpPr>
+          <p:nvPr>
+            <p:ph type="sldNum" sz="quarter" idx="10"/>
+          </p:nvPr>
+        </p:nvSpPr>
+        <p:spPr/>
+        <p:txBody>
+          <a:bodyPr/>
+          <a:lstStyle/>
+          <a:p>
+            <a:fld id="{6D22E95F-7C28-476D-A125-3E82DBCFB994}" type="slidenum">
+              <a:rPr lang="en-US" smtClean="0"/>
+              <a:t>4</a:t>
+            </a:fld>
+            <a:endParaRPr lang="en-US"/>
+          </a:p>
+        </p:txBody>
+      </p:sp>
+    </p:spTree>
+    <p:extLst>
+      <p:ext uri="{BB962C8B-B14F-4D97-AF65-F5344CB8AC3E}">
+        <p14:creationId xmlns:p14="http://schemas.microsoft.com/office/powerpoint/2010/main" val="3803489413"/>
+      </p:ext>
+    </p:extLst>
+  </p:cSld>
+  <p:clrMapOvr>
+    <a:masterClrMapping/>
+  </p:clrMapOvr>
+</p:notes>
+</file>
+
 <file path=ppt/slideLayouts/slideLayout1.xml><?xml version="1.0" encoding="utf-8"?>
 <p:sldLayout xmlns:a="http://schemas.openxmlformats.org/drawingml/2006/main" xmlns:r="http://schemas.openxmlformats.org/officeDocument/2006/relationships" xmlns:p="http://schemas.openxmlformats.org/presentationml/2006/main" type="title" preserve="1">
   <p:cSld name="Title Slide">
@@ -680,7 +935,7 @@
           <a:p>
             <a:fld id="{D9793871-B0BD-4E8D-A0EA-0F89A2712447}" type="datetimeFigureOut">
               <a:rPr lang="en-US" smtClean="0"/>
-              <a:t>6/3/2013</a:t>
+              <a:t>11/21/2013</a:t>
             </a:fld>
             <a:endParaRPr lang="en-US"/>
           </a:p>
@@ -850,7 +1105,7 @@
           <a:p>
             <a:fld id="{D9793871-B0BD-4E8D-A0EA-0F89A2712447}" type="datetimeFigureOut">
               <a:rPr lang="en-US" smtClean="0"/>
-              <a:t>6/3/2013</a:t>
+              <a:t>11/21/2013</a:t>
             </a:fld>
             <a:endParaRPr lang="en-US"/>
           </a:p>
@@ -1030,7 +1285,7 @@
           <a:p>
             <a:fld id="{D9793871-B0BD-4E8D-A0EA-0F89A2712447}" type="datetimeFigureOut">
               <a:rPr lang="en-US" smtClean="0"/>
-              <a:t>6/3/2013</a:t>
+              <a:t>11/21/2013</a:t>
             </a:fld>
             <a:endParaRPr lang="en-US"/>
           </a:p>
@@ -1200,7 +1455,7 @@
           <a:p>
             <a:fld id="{D9793871-B0BD-4E8D-A0EA-0F89A2712447}" type="datetimeFigureOut">
               <a:rPr lang="en-US" smtClean="0"/>
-              <a:t>6/3/2013</a:t>
+              <a:t>11/21/2013</a:t>
             </a:fld>
             <a:endParaRPr lang="en-US"/>
           </a:p>
@@ -1444,7 +1699,7 @@
           <a:p>
             <a:fld id="{D9793871-B0BD-4E8D-A0EA-0F89A2712447}" type="datetimeFigureOut">
               <a:rPr lang="en-US" smtClean="0"/>
-              <a:t>6/3/2013</a:t>
+              <a:t>11/21/2013</a:t>
             </a:fld>
             <a:endParaRPr lang="en-US"/>
           </a:p>
@@ -1676,7 +1931,7 @@
           <a:p>
             <a:fld id="{D9793871-B0BD-4E8D-A0EA-0F89A2712447}" type="datetimeFigureOut">
               <a:rPr lang="en-US" smtClean="0"/>
-              <a:t>6/3/2013</a:t>
+              <a:t>11/21/2013</a:t>
             </a:fld>
             <a:endParaRPr lang="en-US"/>
           </a:p>
@@ -2043,7 +2298,7 @@
           <a:p>
             <a:fld id="{D9793871-B0BD-4E8D-A0EA-0F89A2712447}" type="datetimeFigureOut">
               <a:rPr lang="en-US" smtClean="0"/>
-              <a:t>6/3/2013</a:t>
+              <a:t>11/21/2013</a:t>
             </a:fld>
             <a:endParaRPr lang="en-US"/>
           </a:p>
@@ -2161,7 +2416,7 @@
           <a:p>
             <a:fld id="{D9793871-B0BD-4E8D-A0EA-0F89A2712447}" type="datetimeFigureOut">
               <a:rPr lang="en-US" smtClean="0"/>
-              <a:t>6/3/2013</a:t>
+              <a:t>11/21/2013</a:t>
             </a:fld>
             <a:endParaRPr lang="en-US"/>
           </a:p>
@@ -2256,7 +2511,7 @@
           <a:p>
             <a:fld id="{D9793871-B0BD-4E8D-A0EA-0F89A2712447}" type="datetimeFigureOut">
               <a:rPr lang="en-US" smtClean="0"/>
-              <a:t>6/3/2013</a:t>
+              <a:t>11/21/2013</a:t>
             </a:fld>
             <a:endParaRPr lang="en-US"/>
           </a:p>
@@ -2533,7 +2788,7 @@
           <a:p>
             <a:fld id="{D9793871-B0BD-4E8D-A0EA-0F89A2712447}" type="datetimeFigureOut">
               <a:rPr lang="en-US" smtClean="0"/>
-              <a:t>6/3/2013</a:t>
+              <a:t>11/21/2013</a:t>
             </a:fld>
             <a:endParaRPr lang="en-US"/>
           </a:p>
@@ -2790,7 +3045,7 @@
           <a:p>
             <a:fld id="{D9793871-B0BD-4E8D-A0EA-0F89A2712447}" type="datetimeFigureOut">
               <a:rPr lang="en-US" smtClean="0"/>
-              <a:t>6/3/2013</a:t>
+              <a:t>11/21/2013</a:t>
             </a:fld>
             <a:endParaRPr lang="en-US"/>
           </a:p>
@@ -3003,7 +3258,7 @@
           <a:p>
             <a:fld id="{D9793871-B0BD-4E8D-A0EA-0F89A2712447}" type="datetimeFigureOut">
               <a:rPr lang="en-US" smtClean="0"/>
-              <a:t>6/3/2013</a:t>
+              <a:t>11/21/2013</a:t>
             </a:fld>
             <a:endParaRPr lang="en-US"/>
           </a:p>
@@ -3416,7 +3671,7 @@
         </p:nvSpPr>
         <p:spPr>
           <a:xfrm>
-            <a:off x="539695" y="1921328"/>
+            <a:off x="442159" y="1921328"/>
             <a:ext cx="2341633" cy="3115036"/>
           </a:xfrm>
           <a:prstGeom prst="rect">
@@ -3475,7 +3730,7 @@
         </p:nvSpPr>
         <p:spPr>
           <a:xfrm>
-            <a:off x="3720966" y="1921326"/>
+            <a:off x="3452742" y="1921326"/>
             <a:ext cx="2367631" cy="3115038"/>
           </a:xfrm>
           <a:prstGeom prst="rect">
@@ -3544,7 +3799,7 @@
         </p:nvSpPr>
         <p:spPr>
           <a:xfrm>
-            <a:off x="6418863" y="1921328"/>
+            <a:off x="6333519" y="1921328"/>
             <a:ext cx="2293337" cy="3115036"/>
           </a:xfrm>
           <a:prstGeom prst="rect">
@@ -3805,7 +4060,7 @@
         </p:nvSpPr>
         <p:spPr>
           <a:xfrm>
-            <a:off x="3608372" y="2673095"/>
+            <a:off x="3340148" y="2673095"/>
             <a:ext cx="1694533" cy="1625715"/>
           </a:xfrm>
           <a:prstGeom prst="rect">
@@ -3861,7 +4116,7 @@
         </p:nvSpPr>
         <p:spPr>
           <a:xfrm>
-            <a:off x="3608372" y="5084331"/>
+            <a:off x="3340148" y="5084331"/>
             <a:ext cx="2472423" cy="609447"/>
           </a:xfrm>
           <a:prstGeom prst="rect">
@@ -3915,7 +4170,7 @@
         </p:nvSpPr>
         <p:spPr>
           <a:xfrm>
-            <a:off x="6308287" y="5084331"/>
+            <a:off x="6222943" y="5084331"/>
             <a:ext cx="2438280" cy="609447"/>
           </a:xfrm>
           <a:prstGeom prst="rect">
@@ -3973,7 +4228,7 @@
         </p:nvSpPr>
         <p:spPr>
           <a:xfrm>
-            <a:off x="409280" y="4430845"/>
+            <a:off x="311744" y="4430845"/>
             <a:ext cx="1694533" cy="473487"/>
           </a:xfrm>
           <a:prstGeom prst="rect">
@@ -4025,7 +4280,7 @@
         </p:nvSpPr>
         <p:spPr>
           <a:xfrm>
-            <a:off x="409280" y="2704132"/>
+            <a:off x="311744" y="2704132"/>
             <a:ext cx="1694532" cy="1594681"/>
           </a:xfrm>
           <a:prstGeom prst="rect">
@@ -4076,7 +4331,7 @@
         </p:nvSpPr>
         <p:spPr>
           <a:xfrm>
-            <a:off x="6308286" y="2673095"/>
+            <a:off x="6222942" y="2673095"/>
             <a:ext cx="1694533" cy="473487"/>
           </a:xfrm>
           <a:prstGeom prst="rect">
@@ -4128,7 +4383,7 @@
         </p:nvSpPr>
         <p:spPr>
           <a:xfrm>
-            <a:off x="6308286" y="3904945"/>
+            <a:off x="6222942" y="3904945"/>
             <a:ext cx="1694533" cy="473487"/>
           </a:xfrm>
           <a:prstGeom prst="rect">
@@ -4180,7 +4435,7 @@
         </p:nvSpPr>
         <p:spPr>
           <a:xfrm>
-            <a:off x="6308286" y="3282542"/>
+            <a:off x="6222942" y="3282542"/>
             <a:ext cx="1694533" cy="473487"/>
           </a:xfrm>
           <a:prstGeom prst="rect">
@@ -4232,7 +4487,7 @@
         </p:nvSpPr>
         <p:spPr>
           <a:xfrm>
-            <a:off x="3608372" y="4430844"/>
+            <a:off x="3340148" y="4430844"/>
             <a:ext cx="1694533" cy="473487"/>
           </a:xfrm>
           <a:prstGeom prst="rect">
@@ -4269,10 +4524,10 @@
           <a:p>
             <a:pPr algn="ctr"/>
             <a:r>
-              <a:rPr lang="en-US" dirty="0" smtClean="0"/>
-              <a:t>ACS Integration</a:t>
-            </a:r>
-            <a:endParaRPr lang="en-US" dirty="0"/>
+              <a:rPr lang="en-US" sz="2000" dirty="0"/>
+              <a:t>Web Pages</a:t>
+            </a:r>
+            <a:endParaRPr lang="en-US" sz="2000" dirty="0"/>
           </a:p>
         </p:txBody>
       </p:sp>
@@ -4284,7 +4539,7 @@
         </p:nvSpPr>
         <p:spPr>
           <a:xfrm>
-            <a:off x="559613" y="3186878"/>
+            <a:off x="462077" y="3186878"/>
             <a:ext cx="1674679" cy="398291"/>
           </a:xfrm>
           <a:prstGeom prst="rect">
@@ -4322,7 +4577,7 @@
             <a:pPr algn="ctr"/>
             <a:r>
               <a:rPr lang="en-US" sz="1600" dirty="0" smtClean="0"/>
-              <a:t>Dialogs</a:t>
+              <a:t>Forms</a:t>
             </a:r>
           </a:p>
         </p:txBody>
@@ -4335,7 +4590,7 @@
         </p:nvSpPr>
         <p:spPr>
           <a:xfrm>
-            <a:off x="559613" y="3705728"/>
+            <a:off x="462077" y="3705728"/>
             <a:ext cx="1674679" cy="398291"/>
           </a:xfrm>
           <a:prstGeom prst="rect">
@@ -4386,7 +4641,7 @@
         </p:nvSpPr>
         <p:spPr>
           <a:xfrm>
-            <a:off x="409280" y="5097601"/>
+            <a:off x="311744" y="5097601"/>
             <a:ext cx="2503852" cy="609447"/>
           </a:xfrm>
           <a:prstGeom prst="rect">
@@ -4439,7 +4694,7 @@
         </p:nvCxnSpPr>
         <p:spPr>
           <a:xfrm>
-            <a:off x="3251200" y="1778000"/>
+            <a:off x="3068320" y="1778000"/>
             <a:ext cx="0" cy="4445000"/>
           </a:xfrm>
           <a:prstGeom prst="line">
@@ -4472,7 +4727,7 @@
         </p:nvSpPr>
         <p:spPr>
           <a:xfrm>
-            <a:off x="2476500" y="5854700"/>
+            <a:off x="2293620" y="5854700"/>
             <a:ext cx="1752600" cy="369332"/>
           </a:xfrm>
           <a:prstGeom prst="rect">
@@ -4510,7 +4765,7 @@
         </p:nvSpPr>
         <p:spPr>
           <a:xfrm>
-            <a:off x="3720966" y="3186878"/>
+            <a:off x="3452742" y="3186878"/>
             <a:ext cx="1704483" cy="398291"/>
           </a:xfrm>
           <a:prstGeom prst="rect">
@@ -4548,8 +4803,9 @@
             <a:pPr algn="ctr"/>
             <a:r>
               <a:rPr lang="en-US" sz="1600" dirty="0" smtClean="0"/>
-              <a:t>Authorization</a:t>
-            </a:r>
+              <a:t>Authentication</a:t>
+            </a:r>
+            <a:endParaRPr lang="en-US" sz="1600" dirty="0" smtClean="0"/>
           </a:p>
         </p:txBody>
       </p:sp>
@@ -4561,7 +4817,7 @@
         </p:nvSpPr>
         <p:spPr>
           <a:xfrm>
-            <a:off x="3720966" y="3717203"/>
+            <a:off x="3452742" y="3717203"/>
             <a:ext cx="1704483" cy="398291"/>
           </a:xfrm>
           <a:prstGeom prst="rect">
@@ -4599,7 +4855,164 @@
             <a:pPr algn="ctr"/>
             <a:r>
               <a:rPr lang="en-US" sz="1600" dirty="0" smtClean="0"/>
-              <a:t>Storage Cache</a:t>
+              <a:t>Cache</a:t>
+            </a:r>
+          </a:p>
+        </p:txBody>
+      </p:sp>
+      <p:cxnSp>
+        <p:nvCxnSpPr>
+          <p:cNvPr id="4" name="Straight Connector 3"/>
+          <p:cNvCxnSpPr/>
+          <p:nvPr/>
+        </p:nvCxnSpPr>
+        <p:spPr>
+          <a:xfrm>
+            <a:off x="409280" y="6510528"/>
+            <a:ext cx="5366715" cy="0"/>
+          </a:xfrm>
+          <a:prstGeom prst="line">
+            <a:avLst/>
+          </a:prstGeom>
+          <a:ln w="28575">
+            <a:solidFill>
+              <a:schemeClr val="accent2"/>
+            </a:solidFill>
+            <a:headEnd type="oval" w="med" len="med"/>
+            <a:tailEnd type="oval" w="med" len="med"/>
+          </a:ln>
+        </p:spPr>
+        <p:style>
+          <a:lnRef idx="1">
+            <a:schemeClr val="accent2"/>
+          </a:lnRef>
+          <a:fillRef idx="0">
+            <a:schemeClr val="accent2"/>
+          </a:fillRef>
+          <a:effectRef idx="0">
+            <a:schemeClr val="accent2"/>
+          </a:effectRef>
+          <a:fontRef idx="minor">
+            <a:schemeClr val="tx1"/>
+          </a:fontRef>
+        </p:style>
+      </p:cxnSp>
+      <p:sp>
+        <p:nvSpPr>
+          <p:cNvPr id="33" name="TextBox 32"/>
+          <p:cNvSpPr txBox="1"/>
+          <p:nvPr/>
+        </p:nvSpPr>
+        <p:spPr>
+          <a:xfrm>
+            <a:off x="1297564" y="6329506"/>
+            <a:ext cx="3871844" cy="369332"/>
+          </a:xfrm>
+          <a:prstGeom prst="rect">
+            <a:avLst/>
+          </a:prstGeom>
+          <a:solidFill>
+            <a:schemeClr val="bg1"/>
+          </a:solidFill>
+        </p:spPr>
+        <p:txBody>
+          <a:bodyPr wrap="square" rtlCol="0">
+            <a:spAutoFit/>
+          </a:bodyPr>
+          <a:lstStyle/>
+          <a:p>
+            <a:pPr algn="ctr"/>
+            <a:r>
+              <a:rPr lang="en-US" dirty="0" smtClean="0">
+                <a:solidFill>
+                  <a:schemeClr val="accent2"/>
+                </a:solidFill>
+              </a:rPr>
+              <a:t>github.com/alterm4nn/ChronoZoom.UI</a:t>
+            </a:r>
+            <a:endParaRPr lang="en-US" dirty="0">
+              <a:solidFill>
+                <a:schemeClr val="accent2"/>
+              </a:solidFill>
+            </a:endParaRPr>
+          </a:p>
+        </p:txBody>
+      </p:sp>
+      <p:cxnSp>
+        <p:nvCxnSpPr>
+          <p:cNvPr id="37" name="Straight Connector 36"/>
+          <p:cNvCxnSpPr/>
+          <p:nvPr/>
+        </p:nvCxnSpPr>
+        <p:spPr>
+          <a:xfrm flipV="1">
+            <a:off x="6193536" y="6510528"/>
+            <a:ext cx="2645664" cy="3644"/>
+          </a:xfrm>
+          <a:prstGeom prst="line">
+            <a:avLst/>
+          </a:prstGeom>
+          <a:ln w="28575">
+            <a:solidFill>
+              <a:schemeClr val="accent2"/>
+            </a:solidFill>
+            <a:headEnd type="oval" w="med" len="med"/>
+            <a:tailEnd type="oval" w="med" len="med"/>
+          </a:ln>
+        </p:spPr>
+        <p:style>
+          <a:lnRef idx="1">
+            <a:schemeClr val="accent2"/>
+          </a:lnRef>
+          <a:fillRef idx="0">
+            <a:schemeClr val="accent2"/>
+          </a:fillRef>
+          <a:effectRef idx="0">
+            <a:schemeClr val="accent2"/>
+          </a:effectRef>
+          <a:fontRef idx="minor">
+            <a:schemeClr val="tx1"/>
+          </a:fontRef>
+        </p:style>
+      </p:cxnSp>
+      <p:sp>
+        <p:nvSpPr>
+          <p:cNvPr id="34" name="TextBox 33"/>
+          <p:cNvSpPr txBox="1"/>
+          <p:nvPr/>
+        </p:nvSpPr>
+        <p:spPr>
+          <a:xfrm>
+            <a:off x="6394479" y="6329506"/>
+            <a:ext cx="2237457" cy="369332"/>
+          </a:xfrm>
+          <a:prstGeom prst="rect">
+            <a:avLst/>
+          </a:prstGeom>
+          <a:solidFill>
+            <a:schemeClr val="bg1"/>
+          </a:solidFill>
+        </p:spPr>
+        <p:txBody>
+          <a:bodyPr wrap="square" rtlCol="0">
+            <a:spAutoFit/>
+          </a:bodyPr>
+          <a:lstStyle>
+            <a:defPPr>
+              <a:defRPr lang="en-US"/>
+            </a:defPPr>
+            <a:lvl1pPr algn="ctr">
+              <a:defRPr>
+                <a:solidFill>
+                  <a:schemeClr val="accent2"/>
+                </a:solidFill>
+              </a:defRPr>
+            </a:lvl1pPr>
+          </a:lstStyle>
+          <a:p>
+            <a:r>
+              <a:rPr lang="en-US" dirty="0"/>
+              <a:t>/ChronoZoom.Entities</a:t>
             </a:r>
           </a:p>
         </p:txBody>
@@ -4608,6 +5021,2535 @@
     <p:extLst>
       <p:ext uri="{BB962C8B-B14F-4D97-AF65-F5344CB8AC3E}">
         <p14:creationId xmlns:p14="http://schemas.microsoft.com/office/powerpoint/2010/main" val="2790725036"/>
+      </p:ext>
+    </p:extLst>
+  </p:cSld>
+  <p:clrMapOvr>
+    <a:masterClrMapping/>
+  </p:clrMapOvr>
+  <p:timing>
+    <p:tnLst>
+      <p:par>
+        <p:cTn id="1" dur="indefinite" restart="never" nodeType="tmRoot"/>
+      </p:par>
+    </p:tnLst>
+  </p:timing>
+</p:sld>
+</file>
+
+<file path=ppt/slides/slide2.xml><?xml version="1.0" encoding="utf-8"?>
+<p:sld xmlns:a="http://schemas.openxmlformats.org/drawingml/2006/main" xmlns:r="http://schemas.openxmlformats.org/officeDocument/2006/relationships" xmlns:p="http://schemas.openxmlformats.org/presentationml/2006/main">
+  <p:cSld>
+    <p:spTree>
+      <p:nvGrpSpPr>
+        <p:cNvPr id="1" name=""/>
+        <p:cNvGrpSpPr/>
+        <p:nvPr/>
+      </p:nvGrpSpPr>
+      <p:grpSpPr>
+        <a:xfrm>
+          <a:off x="0" y="0"/>
+          <a:ext cx="0" cy="0"/>
+          <a:chOff x="0" y="0"/>
+          <a:chExt cx="0" cy="0"/>
+        </a:xfrm>
+      </p:grpSpPr>
+      <p:sp>
+        <p:nvSpPr>
+          <p:cNvPr id="24" name="Title 1"/>
+          <p:cNvSpPr txBox="1">
+            <a:spLocks/>
+          </p:cNvSpPr>
+          <p:nvPr/>
+        </p:nvSpPr>
+        <p:spPr>
+          <a:xfrm>
+            <a:off x="628650" y="365127"/>
+            <a:ext cx="7886700" cy="1172996"/>
+          </a:xfrm>
+          <a:prstGeom prst="rect">
+            <a:avLst/>
+          </a:prstGeom>
+        </p:spPr>
+        <p:txBody>
+          <a:bodyPr vert="horz" lIns="91440" tIns="45720" rIns="91440" bIns="45720" rtlCol="0" anchor="b">
+            <a:normAutofit/>
+          </a:bodyPr>
+          <a:lstStyle>
+            <a:lvl1pPr algn="ctr" defTabSz="914400" rtl="0" eaLnBrk="1" latinLnBrk="0" hangingPunct="1">
+              <a:lnSpc>
+                <a:spcPct val="90000"/>
+              </a:lnSpc>
+              <a:spcBef>
+                <a:spcPct val="0"/>
+              </a:spcBef>
+              <a:buNone/>
+              <a:defRPr sz="6000" kern="1200">
+                <a:solidFill>
+                  <a:schemeClr val="tx1"/>
+                </a:solidFill>
+                <a:latin typeface="+mj-lt"/>
+                <a:ea typeface="+mj-ea"/>
+                <a:cs typeface="+mj-cs"/>
+              </a:defRPr>
+            </a:lvl1pPr>
+          </a:lstStyle>
+          <a:p>
+            <a:r>
+              <a:rPr lang="en-US" dirty="0" smtClean="0"/>
+              <a:t>Client Architecture</a:t>
+            </a:r>
+            <a:endParaRPr lang="en-US" dirty="0"/>
+          </a:p>
+        </p:txBody>
+      </p:sp>
+      <p:grpSp>
+        <p:nvGrpSpPr>
+          <p:cNvPr id="23" name="Group 22"/>
+          <p:cNvGrpSpPr/>
+          <p:nvPr/>
+        </p:nvGrpSpPr>
+        <p:grpSpPr>
+          <a:xfrm>
+            <a:off x="0" y="0"/>
+            <a:ext cx="9144000" cy="358726"/>
+            <a:chOff x="0" y="0"/>
+            <a:chExt cx="9144000" cy="358726"/>
+          </a:xfrm>
+        </p:grpSpPr>
+        <p:sp>
+          <p:nvSpPr>
+            <p:cNvPr id="25" name="Rectangle 24"/>
+            <p:cNvSpPr/>
+            <p:nvPr/>
+          </p:nvSpPr>
+          <p:spPr>
+            <a:xfrm>
+              <a:off x="0" y="0"/>
+              <a:ext cx="9144000" cy="358726"/>
+            </a:xfrm>
+            <a:prstGeom prst="rect">
+              <a:avLst/>
+            </a:prstGeom>
+            <a:solidFill>
+              <a:schemeClr val="bg1">
+                <a:lumMod val="85000"/>
+              </a:schemeClr>
+            </a:solidFill>
+            <a:ln>
+              <a:noFill/>
+            </a:ln>
+          </p:spPr>
+          <p:style>
+            <a:lnRef idx="2">
+              <a:schemeClr val="accent1">
+                <a:shade val="50000"/>
+              </a:schemeClr>
+            </a:lnRef>
+            <a:fillRef idx="1">
+              <a:schemeClr val="accent1"/>
+            </a:fillRef>
+            <a:effectRef idx="0">
+              <a:schemeClr val="accent1"/>
+            </a:effectRef>
+            <a:fontRef idx="minor">
+              <a:schemeClr val="lt1"/>
+            </a:fontRef>
+          </p:style>
+          <p:txBody>
+            <a:bodyPr rtlCol="0" anchor="ctr"/>
+            <a:lstStyle/>
+            <a:p>
+              <a:pPr algn="ctr"/>
+              <a:endParaRPr lang="en-US"/>
+            </a:p>
+          </p:txBody>
+        </p:sp>
+        <p:pic>
+          <p:nvPicPr>
+            <p:cNvPr id="26" name="Picture 25" descr="http://czproject.azurewebsites.net/wp-content/uploads/2013/03/cropped-cropped-CZproject-logo.png"/>
+            <p:cNvPicPr>
+              <a:picLocks noChangeAspect="1" noChangeArrowheads="1"/>
+            </p:cNvPicPr>
+            <p:nvPr/>
+          </p:nvPicPr>
+          <p:blipFill>
+            <a:blip r:embed="rId3">
+              <a:extLst>
+                <a:ext uri="{28A0092B-C50C-407E-A947-70E740481C1C}">
+                  <a14:useLocalDpi xmlns:a14="http://schemas.microsoft.com/office/drawing/2010/main" val="0"/>
+                </a:ext>
+              </a:extLst>
+            </a:blip>
+            <a:srcRect/>
+            <a:stretch>
+              <a:fillRect/>
+            </a:stretch>
+          </p:blipFill>
+          <p:spPr bwMode="auto">
+            <a:xfrm>
+              <a:off x="6991641" y="66679"/>
+              <a:ext cx="2082017" cy="249842"/>
+            </a:xfrm>
+            <a:prstGeom prst="rect">
+              <a:avLst/>
+            </a:prstGeom>
+            <a:noFill/>
+            <a:extLst>
+              <a:ext uri="{909E8E84-426E-40DD-AFC4-6F175D3DCCD1}">
+                <a14:hiddenFill xmlns:a14="http://schemas.microsoft.com/office/drawing/2010/main">
+                  <a:solidFill>
+                    <a:srgbClr val="FFFFFF"/>
+                  </a:solidFill>
+                </a14:hiddenFill>
+              </a:ext>
+            </a:extLst>
+          </p:spPr>
+        </p:pic>
+        <p:sp>
+          <p:nvSpPr>
+            <p:cNvPr id="27" name="Rectangle 26"/>
+            <p:cNvSpPr/>
+            <p:nvPr/>
+          </p:nvSpPr>
+          <p:spPr>
+            <a:xfrm>
+              <a:off x="0" y="0"/>
+              <a:ext cx="98474" cy="358726"/>
+            </a:xfrm>
+            <a:prstGeom prst="rect">
+              <a:avLst/>
+            </a:prstGeom>
+            <a:solidFill>
+              <a:schemeClr val="bg1">
+                <a:lumMod val="65000"/>
+              </a:schemeClr>
+            </a:solidFill>
+            <a:ln>
+              <a:noFill/>
+            </a:ln>
+          </p:spPr>
+          <p:style>
+            <a:lnRef idx="2">
+              <a:schemeClr val="accent1">
+                <a:shade val="50000"/>
+              </a:schemeClr>
+            </a:lnRef>
+            <a:fillRef idx="1">
+              <a:schemeClr val="accent1"/>
+            </a:fillRef>
+            <a:effectRef idx="0">
+              <a:schemeClr val="accent1"/>
+            </a:effectRef>
+            <a:fontRef idx="minor">
+              <a:schemeClr val="lt1"/>
+            </a:fontRef>
+          </p:style>
+          <p:txBody>
+            <a:bodyPr rtlCol="0" anchor="ctr"/>
+            <a:lstStyle/>
+            <a:p>
+              <a:pPr algn="ctr"/>
+              <a:endParaRPr lang="en-US"/>
+            </a:p>
+          </p:txBody>
+        </p:sp>
+      </p:grpSp>
+      <p:sp>
+        <p:nvSpPr>
+          <p:cNvPr id="30" name="Rectangle 29"/>
+          <p:cNvSpPr/>
+          <p:nvPr/>
+        </p:nvSpPr>
+        <p:spPr>
+          <a:xfrm rot="16200000">
+            <a:off x="6665171" y="2993040"/>
+            <a:ext cx="3424143" cy="898420"/>
+          </a:xfrm>
+          <a:prstGeom prst="rect">
+            <a:avLst/>
+          </a:prstGeom>
+          <a:solidFill>
+            <a:schemeClr val="accent1">
+              <a:lumMod val="40000"/>
+              <a:lumOff val="60000"/>
+            </a:schemeClr>
+          </a:solidFill>
+          <a:ln w="28575">
+            <a:solidFill>
+              <a:schemeClr val="bg1"/>
+            </a:solidFill>
+          </a:ln>
+        </p:spPr>
+        <p:style>
+          <a:lnRef idx="2">
+            <a:schemeClr val="accent1">
+              <a:shade val="50000"/>
+            </a:schemeClr>
+          </a:lnRef>
+          <a:fillRef idx="1">
+            <a:schemeClr val="accent1"/>
+          </a:fillRef>
+          <a:effectRef idx="0">
+            <a:schemeClr val="accent1"/>
+          </a:effectRef>
+          <a:fontRef idx="minor">
+            <a:schemeClr val="lt1"/>
+          </a:fontRef>
+        </p:style>
+        <p:txBody>
+          <a:bodyPr rot="0" spcFirstLastPara="0" vertOverflow="overflow" horzOverflow="overflow" vert="horz" wrap="square" lIns="91440" tIns="45720" rIns="91440" bIns="45720" numCol="1" spcCol="0" rtlCol="0" fromWordArt="0" anchor="ctr" anchorCtr="0" forceAA="0" compatLnSpc="1">
+            <a:prstTxWarp prst="textNoShape">
+              <a:avLst/>
+            </a:prstTxWarp>
+            <a:noAutofit/>
+          </a:bodyPr>
+          <a:lstStyle/>
+          <a:p>
+            <a:pPr algn="ctr">
+              <a:lnSpc>
+                <a:spcPct val="150000"/>
+              </a:lnSpc>
+            </a:pPr>
+            <a:r>
+              <a:rPr lang="en-US" dirty="0"/>
+              <a:t>ChronoZoom REST API</a:t>
+            </a:r>
+          </a:p>
+        </p:txBody>
+      </p:sp>
+      <p:sp>
+        <p:nvSpPr>
+          <p:cNvPr id="34" name="Rectangle 33"/>
+          <p:cNvSpPr/>
+          <p:nvPr/>
+        </p:nvSpPr>
+        <p:spPr>
+          <a:xfrm>
+            <a:off x="702421" y="2646165"/>
+            <a:ext cx="1463040" cy="1133856"/>
+          </a:xfrm>
+          <a:prstGeom prst="rect">
+            <a:avLst/>
+          </a:prstGeom>
+          <a:solidFill>
+            <a:schemeClr val="accent1">
+              <a:lumMod val="50000"/>
+            </a:schemeClr>
+          </a:solidFill>
+          <a:ln>
+            <a:noFill/>
+          </a:ln>
+        </p:spPr>
+        <p:style>
+          <a:lnRef idx="2">
+            <a:schemeClr val="accent1">
+              <a:shade val="50000"/>
+            </a:schemeClr>
+          </a:lnRef>
+          <a:fillRef idx="1">
+            <a:schemeClr val="accent1"/>
+          </a:fillRef>
+          <a:effectRef idx="0">
+            <a:schemeClr val="accent1"/>
+          </a:effectRef>
+          <a:fontRef idx="minor">
+            <a:schemeClr val="lt1"/>
+          </a:fontRef>
+        </p:style>
+        <p:txBody>
+          <a:bodyPr rtlCol="0" anchor="ctr"/>
+          <a:lstStyle/>
+          <a:p>
+            <a:pPr algn="ctr"/>
+            <a:r>
+              <a:rPr lang="en-US" dirty="0" smtClean="0"/>
+              <a:t>View</a:t>
+            </a:r>
+          </a:p>
+          <a:p>
+            <a:pPr algn="ctr"/>
+            <a:r>
+              <a:rPr lang="en-US" dirty="0" smtClean="0"/>
+              <a:t>(ui</a:t>
+            </a:r>
+            <a:r>
+              <a:rPr lang="en-US" dirty="0"/>
+              <a:t>/</a:t>
+            </a:r>
+            <a:r>
+              <a:rPr lang="en-US" dirty="0" smtClean="0"/>
+              <a:t>*.html)</a:t>
+            </a:r>
+            <a:endParaRPr lang="en-US" dirty="0"/>
+          </a:p>
+        </p:txBody>
+      </p:sp>
+      <p:sp>
+        <p:nvSpPr>
+          <p:cNvPr id="37" name="Rectangle 36"/>
+          <p:cNvSpPr/>
+          <p:nvPr/>
+        </p:nvSpPr>
+        <p:spPr>
+          <a:xfrm>
+            <a:off x="2292375" y="2646165"/>
+            <a:ext cx="1463040" cy="1133856"/>
+          </a:xfrm>
+          <a:prstGeom prst="rect">
+            <a:avLst/>
+          </a:prstGeom>
+          <a:solidFill>
+            <a:schemeClr val="accent1">
+              <a:lumMod val="50000"/>
+            </a:schemeClr>
+          </a:solidFill>
+          <a:ln>
+            <a:noFill/>
+          </a:ln>
+        </p:spPr>
+        <p:style>
+          <a:lnRef idx="2">
+            <a:schemeClr val="accent1">
+              <a:shade val="50000"/>
+            </a:schemeClr>
+          </a:lnRef>
+          <a:fillRef idx="1">
+            <a:schemeClr val="accent1"/>
+          </a:fillRef>
+          <a:effectRef idx="0">
+            <a:schemeClr val="accent1"/>
+          </a:effectRef>
+          <a:fontRef idx="minor">
+            <a:schemeClr val="lt1"/>
+          </a:fontRef>
+        </p:style>
+        <p:txBody>
+          <a:bodyPr rtlCol="0" anchor="ctr"/>
+          <a:lstStyle/>
+          <a:p>
+            <a:pPr algn="ctr"/>
+            <a:r>
+              <a:rPr lang="en-US" dirty="0" smtClean="0"/>
+              <a:t>Controller</a:t>
+            </a:r>
+          </a:p>
+          <a:p>
+            <a:pPr algn="ctr"/>
+            <a:r>
+              <a:rPr lang="en-US" dirty="0" smtClean="0"/>
+              <a:t>(cz.ts)</a:t>
+            </a:r>
+            <a:endParaRPr lang="en-US" dirty="0"/>
+          </a:p>
+        </p:txBody>
+      </p:sp>
+      <p:sp>
+        <p:nvSpPr>
+          <p:cNvPr id="48" name="Rectangle 47"/>
+          <p:cNvSpPr/>
+          <p:nvPr/>
+        </p:nvSpPr>
+        <p:spPr>
+          <a:xfrm>
+            <a:off x="5879678" y="2646165"/>
+            <a:ext cx="1463040" cy="1133856"/>
+          </a:xfrm>
+          <a:prstGeom prst="rect">
+            <a:avLst/>
+          </a:prstGeom>
+          <a:solidFill>
+            <a:schemeClr val="accent1">
+              <a:lumMod val="50000"/>
+            </a:schemeClr>
+          </a:solidFill>
+          <a:ln>
+            <a:noFill/>
+          </a:ln>
+        </p:spPr>
+        <p:style>
+          <a:lnRef idx="2">
+            <a:schemeClr val="accent1">
+              <a:shade val="50000"/>
+            </a:schemeClr>
+          </a:lnRef>
+          <a:fillRef idx="1">
+            <a:schemeClr val="accent1"/>
+          </a:fillRef>
+          <a:effectRef idx="0">
+            <a:schemeClr val="accent1"/>
+          </a:effectRef>
+          <a:fontRef idx="minor">
+            <a:schemeClr val="lt1"/>
+          </a:fontRef>
+        </p:style>
+        <p:txBody>
+          <a:bodyPr rtlCol="0" anchor="ctr"/>
+          <a:lstStyle/>
+          <a:p>
+            <a:pPr algn="ctr"/>
+            <a:r>
+              <a:rPr lang="en-US" dirty="0" smtClean="0"/>
+              <a:t>API</a:t>
+            </a:r>
+          </a:p>
+          <a:p>
+            <a:pPr algn="ctr"/>
+            <a:r>
+              <a:rPr lang="en-US" dirty="0" smtClean="0"/>
+              <a:t>(service.ts)</a:t>
+            </a:r>
+            <a:endParaRPr lang="en-US" dirty="0"/>
+          </a:p>
+        </p:txBody>
+      </p:sp>
+      <p:cxnSp>
+        <p:nvCxnSpPr>
+          <p:cNvPr id="49" name="Straight Connector 48"/>
+          <p:cNvCxnSpPr/>
+          <p:nvPr/>
+        </p:nvCxnSpPr>
+        <p:spPr>
+          <a:xfrm>
+            <a:off x="7766342" y="1725242"/>
+            <a:ext cx="0" cy="4065958"/>
+          </a:xfrm>
+          <a:prstGeom prst="line">
+            <a:avLst/>
+          </a:prstGeom>
+          <a:ln w="28575">
+            <a:solidFill>
+              <a:schemeClr val="accent1">
+                <a:lumMod val="40000"/>
+                <a:lumOff val="60000"/>
+              </a:schemeClr>
+            </a:solidFill>
+            <a:prstDash val="dash"/>
+          </a:ln>
+        </p:spPr>
+        <p:style>
+          <a:lnRef idx="1">
+            <a:schemeClr val="accent1"/>
+          </a:lnRef>
+          <a:fillRef idx="0">
+            <a:schemeClr val="accent1"/>
+          </a:fillRef>
+          <a:effectRef idx="0">
+            <a:schemeClr val="accent1"/>
+          </a:effectRef>
+          <a:fontRef idx="minor">
+            <a:schemeClr val="tx1"/>
+          </a:fontRef>
+        </p:style>
+      </p:cxnSp>
+      <p:sp>
+        <p:nvSpPr>
+          <p:cNvPr id="50" name="TextBox 49"/>
+          <p:cNvSpPr txBox="1"/>
+          <p:nvPr/>
+        </p:nvSpPr>
+        <p:spPr>
+          <a:xfrm>
+            <a:off x="7003833" y="5474875"/>
+            <a:ext cx="1752600" cy="369332"/>
+          </a:xfrm>
+          <a:prstGeom prst="rect">
+            <a:avLst/>
+          </a:prstGeom>
+          <a:noFill/>
+        </p:spPr>
+        <p:txBody>
+          <a:bodyPr wrap="square" rtlCol="0">
+            <a:spAutoFit/>
+          </a:bodyPr>
+          <a:lstStyle/>
+          <a:p>
+            <a:r>
+              <a:rPr lang="en-US" dirty="0" smtClean="0">
+                <a:solidFill>
+                  <a:schemeClr val="accent1">
+                    <a:lumMod val="40000"/>
+                    <a:lumOff val="60000"/>
+                  </a:schemeClr>
+                </a:solidFill>
+              </a:rPr>
+              <a:t>Client     Service</a:t>
+            </a:r>
+            <a:endParaRPr lang="en-US" dirty="0">
+              <a:solidFill>
+                <a:schemeClr val="accent1">
+                  <a:lumMod val="40000"/>
+                  <a:lumOff val="60000"/>
+                </a:schemeClr>
+              </a:solidFill>
+            </a:endParaRPr>
+          </a:p>
+        </p:txBody>
+      </p:sp>
+      <p:sp>
+        <p:nvSpPr>
+          <p:cNvPr id="51" name="Rectangle 50"/>
+          <p:cNvSpPr/>
+          <p:nvPr/>
+        </p:nvSpPr>
+        <p:spPr>
+          <a:xfrm>
+            <a:off x="4261870" y="3942856"/>
+            <a:ext cx="1463040" cy="1133856"/>
+          </a:xfrm>
+          <a:prstGeom prst="rect">
+            <a:avLst/>
+          </a:prstGeom>
+          <a:solidFill>
+            <a:schemeClr val="accent1">
+              <a:lumMod val="50000"/>
+            </a:schemeClr>
+          </a:solidFill>
+          <a:ln>
+            <a:noFill/>
+          </a:ln>
+        </p:spPr>
+        <p:style>
+          <a:lnRef idx="2">
+            <a:schemeClr val="accent1">
+              <a:shade val="50000"/>
+            </a:schemeClr>
+          </a:lnRef>
+          <a:fillRef idx="1">
+            <a:schemeClr val="accent1"/>
+          </a:fillRef>
+          <a:effectRef idx="0">
+            <a:schemeClr val="accent1"/>
+          </a:effectRef>
+          <a:fontRef idx="minor">
+            <a:schemeClr val="lt1"/>
+          </a:fontRef>
+        </p:style>
+        <p:txBody>
+          <a:bodyPr rtlCol="0" anchor="ctr"/>
+          <a:lstStyle/>
+          <a:p>
+            <a:pPr algn="ctr"/>
+            <a:r>
+              <a:rPr lang="en-US" dirty="0" smtClean="0"/>
+              <a:t>Controls</a:t>
+            </a:r>
+          </a:p>
+          <a:p>
+            <a:pPr algn="ctr"/>
+            <a:r>
+              <a:rPr lang="en-US" dirty="0" smtClean="0"/>
+              <a:t>(ui/controls)</a:t>
+            </a:r>
+            <a:endParaRPr lang="en-US" dirty="0"/>
+          </a:p>
+        </p:txBody>
+      </p:sp>
+      <p:sp>
+        <p:nvSpPr>
+          <p:cNvPr id="52" name="Rectangle 51"/>
+          <p:cNvSpPr/>
+          <p:nvPr/>
+        </p:nvSpPr>
+        <p:spPr>
+          <a:xfrm>
+            <a:off x="4279374" y="2646165"/>
+            <a:ext cx="1463040" cy="1133856"/>
+          </a:xfrm>
+          <a:prstGeom prst="rect">
+            <a:avLst/>
+          </a:prstGeom>
+          <a:solidFill>
+            <a:schemeClr val="accent1">
+              <a:lumMod val="50000"/>
+            </a:schemeClr>
+          </a:solidFill>
+          <a:ln>
+            <a:noFill/>
+          </a:ln>
+        </p:spPr>
+        <p:style>
+          <a:lnRef idx="2">
+            <a:schemeClr val="accent1">
+              <a:shade val="50000"/>
+            </a:schemeClr>
+          </a:lnRef>
+          <a:fillRef idx="1">
+            <a:schemeClr val="accent1"/>
+          </a:fillRef>
+          <a:effectRef idx="0">
+            <a:schemeClr val="accent1"/>
+          </a:effectRef>
+          <a:fontRef idx="minor">
+            <a:schemeClr val="lt1"/>
+          </a:fontRef>
+        </p:style>
+        <p:txBody>
+          <a:bodyPr rtlCol="0" anchor="ctr"/>
+          <a:lstStyle/>
+          <a:p>
+            <a:pPr algn="ctr"/>
+            <a:r>
+              <a:rPr lang="en-US" dirty="0" smtClean="0"/>
+              <a:t>Forms</a:t>
+            </a:r>
+          </a:p>
+          <a:p>
+            <a:pPr algn="ctr"/>
+            <a:r>
+              <a:rPr lang="en-US" dirty="0"/>
+              <a:t>(ui</a:t>
+            </a:r>
+            <a:r>
+              <a:rPr lang="en-US" dirty="0" smtClean="0"/>
+              <a:t>/*.ts)</a:t>
+            </a:r>
+            <a:endParaRPr lang="en-US" dirty="0"/>
+          </a:p>
+        </p:txBody>
+      </p:sp>
+      <p:cxnSp>
+        <p:nvCxnSpPr>
+          <p:cNvPr id="53" name="Straight Connector 52"/>
+          <p:cNvCxnSpPr/>
+          <p:nvPr/>
+        </p:nvCxnSpPr>
+        <p:spPr>
+          <a:xfrm>
+            <a:off x="4001008" y="2365248"/>
+            <a:ext cx="0" cy="3222573"/>
+          </a:xfrm>
+          <a:prstGeom prst="line">
+            <a:avLst/>
+          </a:prstGeom>
+          <a:ln w="28575">
+            <a:prstDash val="dash"/>
+          </a:ln>
+        </p:spPr>
+        <p:style>
+          <a:lnRef idx="1">
+            <a:schemeClr val="accent1"/>
+          </a:lnRef>
+          <a:fillRef idx="0">
+            <a:schemeClr val="accent1"/>
+          </a:fillRef>
+          <a:effectRef idx="0">
+            <a:schemeClr val="accent1"/>
+          </a:effectRef>
+          <a:fontRef idx="minor">
+            <a:schemeClr val="tx1"/>
+          </a:fontRef>
+        </p:style>
+      </p:cxnSp>
+      <p:sp>
+        <p:nvSpPr>
+          <p:cNvPr id="54" name="TextBox 53"/>
+          <p:cNvSpPr txBox="1"/>
+          <p:nvPr/>
+        </p:nvSpPr>
+        <p:spPr>
+          <a:xfrm>
+            <a:off x="2141077" y="5218489"/>
+            <a:ext cx="4125611" cy="369332"/>
+          </a:xfrm>
+          <a:prstGeom prst="rect">
+            <a:avLst/>
+          </a:prstGeom>
+          <a:noFill/>
+        </p:spPr>
+        <p:txBody>
+          <a:bodyPr wrap="square" rtlCol="0">
+            <a:spAutoFit/>
+          </a:bodyPr>
+          <a:lstStyle/>
+          <a:p>
+            <a:r>
+              <a:rPr lang="en-US" dirty="0" smtClean="0">
+                <a:solidFill>
+                  <a:schemeClr val="accent5"/>
+                </a:solidFill>
+              </a:rPr>
+              <a:t>DOM Dependent       DOM Independent</a:t>
+            </a:r>
+            <a:endParaRPr lang="en-US" dirty="0">
+              <a:solidFill>
+                <a:schemeClr val="accent5"/>
+              </a:solidFill>
+            </a:endParaRPr>
+          </a:p>
+        </p:txBody>
+      </p:sp>
+      <p:cxnSp>
+        <p:nvCxnSpPr>
+          <p:cNvPr id="56" name="Straight Connector 55"/>
+          <p:cNvCxnSpPr/>
+          <p:nvPr/>
+        </p:nvCxnSpPr>
+        <p:spPr>
+          <a:xfrm>
+            <a:off x="409280" y="6510528"/>
+            <a:ext cx="8347153" cy="0"/>
+          </a:xfrm>
+          <a:prstGeom prst="line">
+            <a:avLst/>
+          </a:prstGeom>
+          <a:ln w="28575">
+            <a:solidFill>
+              <a:schemeClr val="accent2"/>
+            </a:solidFill>
+            <a:headEnd type="oval" w="med" len="med"/>
+            <a:tailEnd type="oval" w="med" len="med"/>
+          </a:ln>
+        </p:spPr>
+        <p:style>
+          <a:lnRef idx="1">
+            <a:schemeClr val="accent2"/>
+          </a:lnRef>
+          <a:fillRef idx="0">
+            <a:schemeClr val="accent2"/>
+          </a:fillRef>
+          <a:effectRef idx="0">
+            <a:schemeClr val="accent2"/>
+          </a:effectRef>
+          <a:fontRef idx="minor">
+            <a:schemeClr val="tx1"/>
+          </a:fontRef>
+        </p:style>
+      </p:cxnSp>
+      <p:sp>
+        <p:nvSpPr>
+          <p:cNvPr id="57" name="TextBox 56"/>
+          <p:cNvSpPr txBox="1"/>
+          <p:nvPr/>
+        </p:nvSpPr>
+        <p:spPr>
+          <a:xfrm>
+            <a:off x="2365527" y="6329506"/>
+            <a:ext cx="4181577" cy="369332"/>
+          </a:xfrm>
+          <a:prstGeom prst="rect">
+            <a:avLst/>
+          </a:prstGeom>
+          <a:solidFill>
+            <a:schemeClr val="bg1"/>
+          </a:solidFill>
+        </p:spPr>
+        <p:txBody>
+          <a:bodyPr wrap="square" rtlCol="0">
+            <a:spAutoFit/>
+          </a:bodyPr>
+          <a:lstStyle/>
+          <a:p>
+            <a:pPr algn="ctr"/>
+            <a:r>
+              <a:rPr lang="en-US" dirty="0" smtClean="0">
+                <a:solidFill>
+                  <a:schemeClr val="accent2"/>
+                </a:solidFill>
+              </a:rPr>
+              <a:t>github.com/alterm4nn/ChronoZoom.UI</a:t>
+            </a:r>
+            <a:endParaRPr lang="en-US" dirty="0">
+              <a:solidFill>
+                <a:schemeClr val="accent2"/>
+              </a:solidFill>
+            </a:endParaRPr>
+          </a:p>
+        </p:txBody>
+      </p:sp>
+      <p:sp>
+        <p:nvSpPr>
+          <p:cNvPr id="19" name="Rectangle 18"/>
+          <p:cNvSpPr/>
+          <p:nvPr/>
+        </p:nvSpPr>
+        <p:spPr>
+          <a:xfrm>
+            <a:off x="2283987" y="3942856"/>
+            <a:ext cx="1463040" cy="1133856"/>
+          </a:xfrm>
+          <a:prstGeom prst="rect">
+            <a:avLst/>
+          </a:prstGeom>
+          <a:solidFill>
+            <a:schemeClr val="accent1">
+              <a:lumMod val="50000"/>
+            </a:schemeClr>
+          </a:solidFill>
+          <a:ln>
+            <a:noFill/>
+          </a:ln>
+        </p:spPr>
+        <p:style>
+          <a:lnRef idx="2">
+            <a:schemeClr val="accent1">
+              <a:shade val="50000"/>
+            </a:schemeClr>
+          </a:lnRef>
+          <a:fillRef idx="1">
+            <a:schemeClr val="accent1"/>
+          </a:fillRef>
+          <a:effectRef idx="0">
+            <a:schemeClr val="accent1"/>
+          </a:effectRef>
+          <a:fontRef idx="minor">
+            <a:schemeClr val="lt1"/>
+          </a:fontRef>
+        </p:style>
+        <p:txBody>
+          <a:bodyPr rtlCol="0" anchor="ctr"/>
+          <a:lstStyle/>
+          <a:p>
+            <a:pPr algn="ctr"/>
+            <a:r>
+              <a:rPr lang="en-US" dirty="0" smtClean="0"/>
+              <a:t>Feature Activation</a:t>
+            </a:r>
+          </a:p>
+          <a:p>
+            <a:pPr algn="ctr"/>
+            <a:r>
+              <a:rPr lang="en-US" dirty="0" smtClean="0"/>
+              <a:t>(cz.ts)</a:t>
+            </a:r>
+            <a:endParaRPr lang="en-US" dirty="0"/>
+          </a:p>
+        </p:txBody>
+      </p:sp>
+    </p:spTree>
+    <p:extLst>
+      <p:ext uri="{BB962C8B-B14F-4D97-AF65-F5344CB8AC3E}">
+        <p14:creationId xmlns:p14="http://schemas.microsoft.com/office/powerpoint/2010/main" val="3846485616"/>
+      </p:ext>
+    </p:extLst>
+  </p:cSld>
+  <p:clrMapOvr>
+    <a:masterClrMapping/>
+  </p:clrMapOvr>
+  <p:timing>
+    <p:tnLst>
+      <p:par>
+        <p:cTn id="1" dur="indefinite" restart="never" nodeType="tmRoot"/>
+      </p:par>
+    </p:tnLst>
+  </p:timing>
+</p:sld>
+</file>
+
+<file path=ppt/slides/slide3.xml><?xml version="1.0" encoding="utf-8"?>
+<p:sld xmlns:a="http://schemas.openxmlformats.org/drawingml/2006/main" xmlns:r="http://schemas.openxmlformats.org/officeDocument/2006/relationships" xmlns:p="http://schemas.openxmlformats.org/presentationml/2006/main">
+  <p:cSld>
+    <p:spTree>
+      <p:nvGrpSpPr>
+        <p:cNvPr id="1" name=""/>
+        <p:cNvGrpSpPr/>
+        <p:nvPr/>
+      </p:nvGrpSpPr>
+      <p:grpSpPr>
+        <a:xfrm>
+          <a:off x="0" y="0"/>
+          <a:ext cx="0" cy="0"/>
+          <a:chOff x="0" y="0"/>
+          <a:chExt cx="0" cy="0"/>
+        </a:xfrm>
+      </p:grpSpPr>
+      <p:sp>
+        <p:nvSpPr>
+          <p:cNvPr id="24" name="Title 1"/>
+          <p:cNvSpPr txBox="1">
+            <a:spLocks/>
+          </p:cNvSpPr>
+          <p:nvPr/>
+        </p:nvSpPr>
+        <p:spPr>
+          <a:xfrm>
+            <a:off x="628650" y="365127"/>
+            <a:ext cx="7886700" cy="1172996"/>
+          </a:xfrm>
+          <a:prstGeom prst="rect">
+            <a:avLst/>
+          </a:prstGeom>
+        </p:spPr>
+        <p:txBody>
+          <a:bodyPr vert="horz" lIns="91440" tIns="45720" rIns="91440" bIns="45720" rtlCol="0" anchor="b">
+            <a:normAutofit/>
+          </a:bodyPr>
+          <a:lstStyle>
+            <a:lvl1pPr algn="ctr" defTabSz="914400" rtl="0" eaLnBrk="1" latinLnBrk="0" hangingPunct="1">
+              <a:lnSpc>
+                <a:spcPct val="90000"/>
+              </a:lnSpc>
+              <a:spcBef>
+                <a:spcPct val="0"/>
+              </a:spcBef>
+              <a:buNone/>
+              <a:defRPr sz="6000" kern="1200">
+                <a:solidFill>
+                  <a:schemeClr val="tx1"/>
+                </a:solidFill>
+                <a:latin typeface="+mj-lt"/>
+                <a:ea typeface="+mj-ea"/>
+                <a:cs typeface="+mj-cs"/>
+              </a:defRPr>
+            </a:lvl1pPr>
+          </a:lstStyle>
+          <a:p>
+            <a:r>
+              <a:rPr lang="en-US" dirty="0" smtClean="0"/>
+              <a:t>Server Architecture</a:t>
+            </a:r>
+            <a:endParaRPr lang="en-US" dirty="0"/>
+          </a:p>
+        </p:txBody>
+      </p:sp>
+      <p:grpSp>
+        <p:nvGrpSpPr>
+          <p:cNvPr id="23" name="Group 22"/>
+          <p:cNvGrpSpPr/>
+          <p:nvPr/>
+        </p:nvGrpSpPr>
+        <p:grpSpPr>
+          <a:xfrm>
+            <a:off x="0" y="0"/>
+            <a:ext cx="9144000" cy="358726"/>
+            <a:chOff x="0" y="0"/>
+            <a:chExt cx="9144000" cy="358726"/>
+          </a:xfrm>
+        </p:grpSpPr>
+        <p:sp>
+          <p:nvSpPr>
+            <p:cNvPr id="25" name="Rectangle 24"/>
+            <p:cNvSpPr/>
+            <p:nvPr/>
+          </p:nvSpPr>
+          <p:spPr>
+            <a:xfrm>
+              <a:off x="0" y="0"/>
+              <a:ext cx="9144000" cy="358726"/>
+            </a:xfrm>
+            <a:prstGeom prst="rect">
+              <a:avLst/>
+            </a:prstGeom>
+            <a:solidFill>
+              <a:schemeClr val="bg1">
+                <a:lumMod val="85000"/>
+              </a:schemeClr>
+            </a:solidFill>
+            <a:ln>
+              <a:noFill/>
+            </a:ln>
+          </p:spPr>
+          <p:style>
+            <a:lnRef idx="2">
+              <a:schemeClr val="accent1">
+                <a:shade val="50000"/>
+              </a:schemeClr>
+            </a:lnRef>
+            <a:fillRef idx="1">
+              <a:schemeClr val="accent1"/>
+            </a:fillRef>
+            <a:effectRef idx="0">
+              <a:schemeClr val="accent1"/>
+            </a:effectRef>
+            <a:fontRef idx="minor">
+              <a:schemeClr val="lt1"/>
+            </a:fontRef>
+          </p:style>
+          <p:txBody>
+            <a:bodyPr rtlCol="0" anchor="ctr"/>
+            <a:lstStyle/>
+            <a:p>
+              <a:pPr algn="ctr"/>
+              <a:endParaRPr lang="en-US"/>
+            </a:p>
+          </p:txBody>
+        </p:sp>
+        <p:pic>
+          <p:nvPicPr>
+            <p:cNvPr id="26" name="Picture 25" descr="http://czproject.azurewebsites.net/wp-content/uploads/2013/03/cropped-cropped-CZproject-logo.png"/>
+            <p:cNvPicPr>
+              <a:picLocks noChangeAspect="1" noChangeArrowheads="1"/>
+            </p:cNvPicPr>
+            <p:nvPr/>
+          </p:nvPicPr>
+          <p:blipFill>
+            <a:blip r:embed="rId3">
+              <a:extLst>
+                <a:ext uri="{28A0092B-C50C-407E-A947-70E740481C1C}">
+                  <a14:useLocalDpi xmlns:a14="http://schemas.microsoft.com/office/drawing/2010/main" val="0"/>
+                </a:ext>
+              </a:extLst>
+            </a:blip>
+            <a:srcRect/>
+            <a:stretch>
+              <a:fillRect/>
+            </a:stretch>
+          </p:blipFill>
+          <p:spPr bwMode="auto">
+            <a:xfrm>
+              <a:off x="6991641" y="66679"/>
+              <a:ext cx="2082017" cy="249842"/>
+            </a:xfrm>
+            <a:prstGeom prst="rect">
+              <a:avLst/>
+            </a:prstGeom>
+            <a:noFill/>
+            <a:extLst>
+              <a:ext uri="{909E8E84-426E-40DD-AFC4-6F175D3DCCD1}">
+                <a14:hiddenFill xmlns:a14="http://schemas.microsoft.com/office/drawing/2010/main">
+                  <a:solidFill>
+                    <a:srgbClr val="FFFFFF"/>
+                  </a:solidFill>
+                </a14:hiddenFill>
+              </a:ext>
+            </a:extLst>
+          </p:spPr>
+        </p:pic>
+        <p:sp>
+          <p:nvSpPr>
+            <p:cNvPr id="27" name="Rectangle 26"/>
+            <p:cNvSpPr/>
+            <p:nvPr/>
+          </p:nvSpPr>
+          <p:spPr>
+            <a:xfrm>
+              <a:off x="0" y="0"/>
+              <a:ext cx="98474" cy="358726"/>
+            </a:xfrm>
+            <a:prstGeom prst="rect">
+              <a:avLst/>
+            </a:prstGeom>
+            <a:solidFill>
+              <a:schemeClr val="bg1">
+                <a:lumMod val="65000"/>
+              </a:schemeClr>
+            </a:solidFill>
+            <a:ln>
+              <a:noFill/>
+            </a:ln>
+          </p:spPr>
+          <p:style>
+            <a:lnRef idx="2">
+              <a:schemeClr val="accent1">
+                <a:shade val="50000"/>
+              </a:schemeClr>
+            </a:lnRef>
+            <a:fillRef idx="1">
+              <a:schemeClr val="accent1"/>
+            </a:fillRef>
+            <a:effectRef idx="0">
+              <a:schemeClr val="accent1"/>
+            </a:effectRef>
+            <a:fontRef idx="minor">
+              <a:schemeClr val="lt1"/>
+            </a:fontRef>
+          </p:style>
+          <p:txBody>
+            <a:bodyPr rtlCol="0" anchor="ctr"/>
+            <a:lstStyle/>
+            <a:p>
+              <a:pPr algn="ctr"/>
+              <a:endParaRPr lang="en-US"/>
+            </a:p>
+          </p:txBody>
+        </p:sp>
+      </p:grpSp>
+      <p:sp>
+        <p:nvSpPr>
+          <p:cNvPr id="30" name="Rectangle 29"/>
+          <p:cNvSpPr/>
+          <p:nvPr/>
+        </p:nvSpPr>
+        <p:spPr>
+          <a:xfrm rot="16200000">
+            <a:off x="6665171" y="2993040"/>
+            <a:ext cx="3424143" cy="898420"/>
+          </a:xfrm>
+          <a:prstGeom prst="rect">
+            <a:avLst/>
+          </a:prstGeom>
+          <a:solidFill>
+            <a:schemeClr val="accent1">
+              <a:lumMod val="40000"/>
+              <a:lumOff val="60000"/>
+            </a:schemeClr>
+          </a:solidFill>
+          <a:ln w="28575">
+            <a:solidFill>
+              <a:schemeClr val="bg1"/>
+            </a:solidFill>
+          </a:ln>
+        </p:spPr>
+        <p:style>
+          <a:lnRef idx="2">
+            <a:schemeClr val="accent1">
+              <a:shade val="50000"/>
+            </a:schemeClr>
+          </a:lnRef>
+          <a:fillRef idx="1">
+            <a:schemeClr val="accent1"/>
+          </a:fillRef>
+          <a:effectRef idx="0">
+            <a:schemeClr val="accent1"/>
+          </a:effectRef>
+          <a:fontRef idx="minor">
+            <a:schemeClr val="lt1"/>
+          </a:fontRef>
+        </p:style>
+        <p:txBody>
+          <a:bodyPr rot="0" spcFirstLastPara="0" vertOverflow="overflow" horzOverflow="overflow" vert="horz" wrap="square" lIns="91440" tIns="45720" rIns="91440" bIns="45720" numCol="1" spcCol="0" rtlCol="0" fromWordArt="0" anchor="ctr" anchorCtr="0" forceAA="0" compatLnSpc="1">
+            <a:prstTxWarp prst="textNoShape">
+              <a:avLst/>
+            </a:prstTxWarp>
+            <a:noAutofit/>
+          </a:bodyPr>
+          <a:lstStyle/>
+          <a:p>
+            <a:pPr algn="ctr">
+              <a:lnSpc>
+                <a:spcPct val="150000"/>
+              </a:lnSpc>
+            </a:pPr>
+            <a:r>
+              <a:rPr lang="en-US" dirty="0"/>
+              <a:t>ChronoZoom </a:t>
+            </a:r>
+            <a:r>
+              <a:rPr lang="en-US" dirty="0" smtClean="0"/>
+              <a:t>Storage</a:t>
+            </a:r>
+            <a:endParaRPr lang="en-US" dirty="0"/>
+          </a:p>
+        </p:txBody>
+      </p:sp>
+      <p:sp>
+        <p:nvSpPr>
+          <p:cNvPr id="47" name="Rectangle 46"/>
+          <p:cNvSpPr/>
+          <p:nvPr/>
+        </p:nvSpPr>
+        <p:spPr>
+          <a:xfrm rot="16200000">
+            <a:off x="-1083422" y="2993041"/>
+            <a:ext cx="3424143" cy="898420"/>
+          </a:xfrm>
+          <a:prstGeom prst="rect">
+            <a:avLst/>
+          </a:prstGeom>
+          <a:solidFill>
+            <a:schemeClr val="accent1">
+              <a:lumMod val="40000"/>
+              <a:lumOff val="60000"/>
+            </a:schemeClr>
+          </a:solidFill>
+          <a:ln w="28575">
+            <a:solidFill>
+              <a:schemeClr val="bg1"/>
+            </a:solidFill>
+          </a:ln>
+        </p:spPr>
+        <p:style>
+          <a:lnRef idx="2">
+            <a:schemeClr val="accent1">
+              <a:shade val="50000"/>
+            </a:schemeClr>
+          </a:lnRef>
+          <a:fillRef idx="1">
+            <a:schemeClr val="accent1"/>
+          </a:fillRef>
+          <a:effectRef idx="0">
+            <a:schemeClr val="accent1"/>
+          </a:effectRef>
+          <a:fontRef idx="minor">
+            <a:schemeClr val="lt1"/>
+          </a:fontRef>
+        </p:style>
+        <p:txBody>
+          <a:bodyPr rot="0" spcFirstLastPara="0" vertOverflow="overflow" horzOverflow="overflow" vert="horz" wrap="square" lIns="91440" tIns="45720" rIns="91440" bIns="45720" numCol="1" spcCol="0" rtlCol="0" fromWordArt="0" anchor="ctr" anchorCtr="0" forceAA="0" compatLnSpc="1">
+            <a:prstTxWarp prst="textNoShape">
+              <a:avLst/>
+            </a:prstTxWarp>
+            <a:noAutofit/>
+          </a:bodyPr>
+          <a:lstStyle/>
+          <a:p>
+            <a:pPr algn="ctr">
+              <a:lnSpc>
+                <a:spcPct val="150000"/>
+              </a:lnSpc>
+            </a:pPr>
+            <a:r>
+              <a:rPr lang="en-US" dirty="0"/>
+              <a:t>ChronoZoom </a:t>
+            </a:r>
+            <a:r>
+              <a:rPr lang="en-US" dirty="0" smtClean="0"/>
+              <a:t>Client</a:t>
+            </a:r>
+            <a:endParaRPr lang="en-US" dirty="0"/>
+          </a:p>
+        </p:txBody>
+      </p:sp>
+      <p:cxnSp>
+        <p:nvCxnSpPr>
+          <p:cNvPr id="48" name="Straight Connector 47"/>
+          <p:cNvCxnSpPr/>
+          <p:nvPr/>
+        </p:nvCxnSpPr>
+        <p:spPr>
+          <a:xfrm>
+            <a:off x="1280462" y="1725242"/>
+            <a:ext cx="0" cy="4065958"/>
+          </a:xfrm>
+          <a:prstGeom prst="line">
+            <a:avLst/>
+          </a:prstGeom>
+          <a:ln w="28575">
+            <a:solidFill>
+              <a:schemeClr val="accent1">
+                <a:lumMod val="40000"/>
+                <a:lumOff val="60000"/>
+              </a:schemeClr>
+            </a:solidFill>
+            <a:prstDash val="dash"/>
+          </a:ln>
+        </p:spPr>
+        <p:style>
+          <a:lnRef idx="1">
+            <a:schemeClr val="accent1"/>
+          </a:lnRef>
+          <a:fillRef idx="0">
+            <a:schemeClr val="accent1"/>
+          </a:fillRef>
+          <a:effectRef idx="0">
+            <a:schemeClr val="accent1"/>
+          </a:effectRef>
+          <a:fontRef idx="minor">
+            <a:schemeClr val="tx1"/>
+          </a:fontRef>
+        </p:style>
+      </p:cxnSp>
+      <p:sp>
+        <p:nvSpPr>
+          <p:cNvPr id="49" name="TextBox 48"/>
+          <p:cNvSpPr txBox="1"/>
+          <p:nvPr/>
+        </p:nvSpPr>
+        <p:spPr>
+          <a:xfrm>
+            <a:off x="517953" y="5474875"/>
+            <a:ext cx="1752600" cy="369332"/>
+          </a:xfrm>
+          <a:prstGeom prst="rect">
+            <a:avLst/>
+          </a:prstGeom>
+          <a:noFill/>
+        </p:spPr>
+        <p:txBody>
+          <a:bodyPr wrap="square" rtlCol="0">
+            <a:spAutoFit/>
+          </a:bodyPr>
+          <a:lstStyle/>
+          <a:p>
+            <a:r>
+              <a:rPr lang="en-US" dirty="0" smtClean="0">
+                <a:solidFill>
+                  <a:schemeClr val="accent1">
+                    <a:lumMod val="40000"/>
+                    <a:lumOff val="60000"/>
+                  </a:schemeClr>
+                </a:solidFill>
+              </a:rPr>
+              <a:t>Client     Service</a:t>
+            </a:r>
+            <a:endParaRPr lang="en-US" dirty="0">
+              <a:solidFill>
+                <a:schemeClr val="accent1">
+                  <a:lumMod val="40000"/>
+                  <a:lumOff val="60000"/>
+                </a:schemeClr>
+              </a:solidFill>
+            </a:endParaRPr>
+          </a:p>
+        </p:txBody>
+      </p:sp>
+      <p:sp>
+        <p:nvSpPr>
+          <p:cNvPr id="50" name="Rectangle 49"/>
+          <p:cNvSpPr/>
+          <p:nvPr/>
+        </p:nvSpPr>
+        <p:spPr>
+          <a:xfrm>
+            <a:off x="3155285" y="2312562"/>
+            <a:ext cx="1463040" cy="1133856"/>
+          </a:xfrm>
+          <a:prstGeom prst="rect">
+            <a:avLst/>
+          </a:prstGeom>
+          <a:solidFill>
+            <a:schemeClr val="accent1">
+              <a:lumMod val="50000"/>
+            </a:schemeClr>
+          </a:solidFill>
+          <a:ln>
+            <a:noFill/>
+          </a:ln>
+        </p:spPr>
+        <p:style>
+          <a:lnRef idx="2">
+            <a:schemeClr val="accent1">
+              <a:shade val="50000"/>
+            </a:schemeClr>
+          </a:lnRef>
+          <a:fillRef idx="1">
+            <a:schemeClr val="accent1"/>
+          </a:fillRef>
+          <a:effectRef idx="0">
+            <a:schemeClr val="accent1"/>
+          </a:effectRef>
+          <a:fontRef idx="minor">
+            <a:schemeClr val="lt1"/>
+          </a:fontRef>
+        </p:style>
+        <p:txBody>
+          <a:bodyPr rtlCol="0" anchor="ctr"/>
+          <a:lstStyle/>
+          <a:p>
+            <a:pPr algn="ctr"/>
+            <a:r>
+              <a:rPr lang="en-US" dirty="0" smtClean="0"/>
+              <a:t>REST API</a:t>
+            </a:r>
+          </a:p>
+          <a:p>
+            <a:pPr algn="ctr"/>
+            <a:r>
+              <a:rPr lang="en-US" sz="1400" dirty="0" smtClean="0"/>
+              <a:t>(chronozoom.svc)</a:t>
+            </a:r>
+            <a:endParaRPr lang="en-US" sz="1400" dirty="0"/>
+          </a:p>
+        </p:txBody>
+      </p:sp>
+      <p:sp>
+        <p:nvSpPr>
+          <p:cNvPr id="51" name="Rectangle 50"/>
+          <p:cNvSpPr/>
+          <p:nvPr/>
+        </p:nvSpPr>
+        <p:spPr>
+          <a:xfrm>
+            <a:off x="6352617" y="2311995"/>
+            <a:ext cx="1463040" cy="1133856"/>
+          </a:xfrm>
+          <a:prstGeom prst="rect">
+            <a:avLst/>
+          </a:prstGeom>
+          <a:solidFill>
+            <a:schemeClr val="accent1">
+              <a:lumMod val="50000"/>
+            </a:schemeClr>
+          </a:solidFill>
+          <a:ln>
+            <a:noFill/>
+          </a:ln>
+        </p:spPr>
+        <p:style>
+          <a:lnRef idx="2">
+            <a:schemeClr val="accent1">
+              <a:shade val="50000"/>
+            </a:schemeClr>
+          </a:lnRef>
+          <a:fillRef idx="1">
+            <a:schemeClr val="accent1"/>
+          </a:fillRef>
+          <a:effectRef idx="0">
+            <a:schemeClr val="accent1"/>
+          </a:effectRef>
+          <a:fontRef idx="minor">
+            <a:schemeClr val="lt1"/>
+          </a:fontRef>
+        </p:style>
+        <p:txBody>
+          <a:bodyPr rtlCol="0" anchor="ctr"/>
+          <a:lstStyle/>
+          <a:p>
+            <a:pPr algn="ctr"/>
+            <a:r>
+              <a:rPr lang="en-US" dirty="0" smtClean="0"/>
+              <a:t>API Cache</a:t>
+            </a:r>
+          </a:p>
+          <a:p>
+            <a:pPr algn="ctr"/>
+            <a:r>
+              <a:rPr lang="en-US" sz="1400" dirty="0" smtClean="0"/>
+              <a:t>(chronozoom.svc)</a:t>
+            </a:r>
+            <a:endParaRPr lang="en-US" sz="1400" dirty="0"/>
+          </a:p>
+        </p:txBody>
+      </p:sp>
+      <p:cxnSp>
+        <p:nvCxnSpPr>
+          <p:cNvPr id="52" name="Straight Connector 51"/>
+          <p:cNvCxnSpPr/>
+          <p:nvPr/>
+        </p:nvCxnSpPr>
+        <p:spPr>
+          <a:xfrm>
+            <a:off x="409280" y="6510528"/>
+            <a:ext cx="7308256" cy="0"/>
+          </a:xfrm>
+          <a:prstGeom prst="line">
+            <a:avLst/>
+          </a:prstGeom>
+          <a:ln w="28575">
+            <a:solidFill>
+              <a:schemeClr val="accent2"/>
+            </a:solidFill>
+            <a:headEnd type="oval" w="med" len="med"/>
+            <a:tailEnd type="oval" w="med" len="med"/>
+          </a:ln>
+        </p:spPr>
+        <p:style>
+          <a:lnRef idx="1">
+            <a:schemeClr val="accent2"/>
+          </a:lnRef>
+          <a:fillRef idx="0">
+            <a:schemeClr val="accent2"/>
+          </a:fillRef>
+          <a:effectRef idx="0">
+            <a:schemeClr val="accent2"/>
+          </a:effectRef>
+          <a:fontRef idx="minor">
+            <a:schemeClr val="tx1"/>
+          </a:fontRef>
+        </p:style>
+      </p:cxnSp>
+      <p:sp>
+        <p:nvSpPr>
+          <p:cNvPr id="53" name="TextBox 52"/>
+          <p:cNvSpPr txBox="1"/>
+          <p:nvPr/>
+        </p:nvSpPr>
+        <p:spPr>
+          <a:xfrm>
+            <a:off x="2365527" y="6329506"/>
+            <a:ext cx="4181577" cy="369332"/>
+          </a:xfrm>
+          <a:prstGeom prst="rect">
+            <a:avLst/>
+          </a:prstGeom>
+          <a:solidFill>
+            <a:schemeClr val="bg1"/>
+          </a:solidFill>
+        </p:spPr>
+        <p:txBody>
+          <a:bodyPr wrap="square" rtlCol="0">
+            <a:spAutoFit/>
+          </a:bodyPr>
+          <a:lstStyle/>
+          <a:p>
+            <a:pPr algn="ctr"/>
+            <a:r>
+              <a:rPr lang="en-US" dirty="0" smtClean="0">
+                <a:solidFill>
+                  <a:schemeClr val="accent2"/>
+                </a:solidFill>
+              </a:rPr>
+              <a:t>github.com/alterm4nn/ChronoZoom.UI</a:t>
+            </a:r>
+            <a:endParaRPr lang="en-US" dirty="0">
+              <a:solidFill>
+                <a:schemeClr val="accent2"/>
+              </a:solidFill>
+            </a:endParaRPr>
+          </a:p>
+        </p:txBody>
+      </p:sp>
+      <p:cxnSp>
+        <p:nvCxnSpPr>
+          <p:cNvPr id="54" name="Straight Connector 53"/>
+          <p:cNvCxnSpPr/>
+          <p:nvPr/>
+        </p:nvCxnSpPr>
+        <p:spPr>
+          <a:xfrm>
+            <a:off x="7948158" y="6510528"/>
+            <a:ext cx="878295" cy="0"/>
+          </a:xfrm>
+          <a:prstGeom prst="line">
+            <a:avLst/>
+          </a:prstGeom>
+          <a:ln w="28575">
+            <a:solidFill>
+              <a:schemeClr val="accent2"/>
+            </a:solidFill>
+            <a:headEnd type="oval" w="med" len="med"/>
+            <a:tailEnd type="oval" w="med" len="med"/>
+          </a:ln>
+        </p:spPr>
+        <p:style>
+          <a:lnRef idx="1">
+            <a:schemeClr val="accent2"/>
+          </a:lnRef>
+          <a:fillRef idx="0">
+            <a:schemeClr val="accent2"/>
+          </a:fillRef>
+          <a:effectRef idx="0">
+            <a:schemeClr val="accent2"/>
+          </a:effectRef>
+          <a:fontRef idx="minor">
+            <a:schemeClr val="tx1"/>
+          </a:fontRef>
+        </p:style>
+      </p:cxnSp>
+      <p:sp>
+        <p:nvSpPr>
+          <p:cNvPr id="55" name="Rectangle 54"/>
+          <p:cNvSpPr/>
+          <p:nvPr/>
+        </p:nvSpPr>
+        <p:spPr>
+          <a:xfrm>
+            <a:off x="4753951" y="2311995"/>
+            <a:ext cx="1463040" cy="1133856"/>
+          </a:xfrm>
+          <a:prstGeom prst="rect">
+            <a:avLst/>
+          </a:prstGeom>
+          <a:solidFill>
+            <a:schemeClr val="accent1">
+              <a:lumMod val="50000"/>
+            </a:schemeClr>
+          </a:solidFill>
+          <a:ln>
+            <a:noFill/>
+          </a:ln>
+        </p:spPr>
+        <p:style>
+          <a:lnRef idx="2">
+            <a:schemeClr val="accent1">
+              <a:shade val="50000"/>
+            </a:schemeClr>
+          </a:lnRef>
+          <a:fillRef idx="1">
+            <a:schemeClr val="accent1"/>
+          </a:fillRef>
+          <a:effectRef idx="0">
+            <a:schemeClr val="accent1"/>
+          </a:effectRef>
+          <a:fontRef idx="minor">
+            <a:schemeClr val="lt1"/>
+          </a:fontRef>
+        </p:style>
+        <p:txBody>
+          <a:bodyPr rtlCol="0" anchor="ctr"/>
+          <a:lstStyle/>
+          <a:p>
+            <a:pPr algn="ctr"/>
+            <a:r>
+              <a:rPr lang="en-US" dirty="0" smtClean="0"/>
+              <a:t>Authorization</a:t>
+            </a:r>
+          </a:p>
+          <a:p>
+            <a:pPr algn="ctr"/>
+            <a:r>
+              <a:rPr lang="en-US" sz="1400" dirty="0" smtClean="0"/>
+              <a:t>(chronozoom.svc)</a:t>
+            </a:r>
+            <a:endParaRPr lang="en-US" sz="1400" dirty="0"/>
+          </a:p>
+        </p:txBody>
+      </p:sp>
+      <p:sp>
+        <p:nvSpPr>
+          <p:cNvPr id="56" name="Rectangle 55"/>
+          <p:cNvSpPr/>
+          <p:nvPr/>
+        </p:nvSpPr>
+        <p:spPr>
+          <a:xfrm>
+            <a:off x="1430167" y="2311995"/>
+            <a:ext cx="1598666" cy="1133856"/>
+          </a:xfrm>
+          <a:prstGeom prst="rect">
+            <a:avLst/>
+          </a:prstGeom>
+          <a:solidFill>
+            <a:schemeClr val="accent1">
+              <a:lumMod val="50000"/>
+            </a:schemeClr>
+          </a:solidFill>
+          <a:ln>
+            <a:noFill/>
+          </a:ln>
+        </p:spPr>
+        <p:style>
+          <a:lnRef idx="2">
+            <a:schemeClr val="accent1">
+              <a:shade val="50000"/>
+            </a:schemeClr>
+          </a:lnRef>
+          <a:fillRef idx="1">
+            <a:schemeClr val="accent1"/>
+          </a:fillRef>
+          <a:effectRef idx="0">
+            <a:schemeClr val="accent1"/>
+          </a:effectRef>
+          <a:fontRef idx="minor">
+            <a:schemeClr val="lt1"/>
+          </a:fontRef>
+        </p:style>
+        <p:txBody>
+          <a:bodyPr rtlCol="0" anchor="ctr"/>
+          <a:lstStyle/>
+          <a:p>
+            <a:pPr algn="ctr"/>
+            <a:r>
+              <a:rPr lang="en-US" dirty="0" smtClean="0"/>
+              <a:t>Authentication</a:t>
+            </a:r>
+          </a:p>
+          <a:p>
+            <a:pPr algn="ctr"/>
+            <a:r>
+              <a:rPr lang="en-US" sz="1400" dirty="0" smtClean="0"/>
+              <a:t>(acs/*)</a:t>
+            </a:r>
+            <a:endParaRPr lang="en-US" sz="1400" dirty="0"/>
+          </a:p>
+        </p:txBody>
+      </p:sp>
+      <p:sp>
+        <p:nvSpPr>
+          <p:cNvPr id="18" name="Rectangle 17"/>
+          <p:cNvSpPr/>
+          <p:nvPr/>
+        </p:nvSpPr>
+        <p:spPr>
+          <a:xfrm>
+            <a:off x="1430167" y="3545244"/>
+            <a:ext cx="1598666" cy="1133856"/>
+          </a:xfrm>
+          <a:prstGeom prst="rect">
+            <a:avLst/>
+          </a:prstGeom>
+          <a:solidFill>
+            <a:schemeClr val="accent1">
+              <a:lumMod val="50000"/>
+            </a:schemeClr>
+          </a:solidFill>
+          <a:ln>
+            <a:noFill/>
+          </a:ln>
+        </p:spPr>
+        <p:style>
+          <a:lnRef idx="2">
+            <a:schemeClr val="accent1">
+              <a:shade val="50000"/>
+            </a:schemeClr>
+          </a:lnRef>
+          <a:fillRef idx="1">
+            <a:schemeClr val="accent1"/>
+          </a:fillRef>
+          <a:effectRef idx="0">
+            <a:schemeClr val="accent1"/>
+          </a:effectRef>
+          <a:fontRef idx="minor">
+            <a:schemeClr val="lt1"/>
+          </a:fontRef>
+        </p:style>
+        <p:txBody>
+          <a:bodyPr rtlCol="0" anchor="ctr"/>
+          <a:lstStyle/>
+          <a:p>
+            <a:pPr algn="ctr"/>
+            <a:r>
+              <a:rPr lang="en-US" dirty="0" smtClean="0"/>
+              <a:t>Pages</a:t>
+            </a:r>
+            <a:endParaRPr lang="en-US" dirty="0" smtClean="0"/>
+          </a:p>
+          <a:p>
+            <a:pPr algn="ctr"/>
+            <a:r>
+              <a:rPr lang="en-US" sz="1400" dirty="0" smtClean="0"/>
+              <a:t>(pages/*)</a:t>
+            </a:r>
+          </a:p>
+          <a:p>
+            <a:pPr algn="ctr"/>
+            <a:endParaRPr lang="en-US" sz="1400" dirty="0"/>
+          </a:p>
+          <a:p>
+            <a:pPr algn="ctr"/>
+            <a:r>
+              <a:rPr lang="en-US" sz="1400" dirty="0" smtClean="0"/>
+              <a:t>Crawlers - Sitemap</a:t>
+            </a:r>
+            <a:endParaRPr lang="en-US" sz="1400" dirty="0"/>
+          </a:p>
+        </p:txBody>
+      </p:sp>
+    </p:spTree>
+    <p:extLst>
+      <p:ext uri="{BB962C8B-B14F-4D97-AF65-F5344CB8AC3E}">
+        <p14:creationId xmlns:p14="http://schemas.microsoft.com/office/powerpoint/2010/main" val="3766484043"/>
+      </p:ext>
+    </p:extLst>
+  </p:cSld>
+  <p:clrMapOvr>
+    <a:masterClrMapping/>
+  </p:clrMapOvr>
+  <p:timing>
+    <p:tnLst>
+      <p:par>
+        <p:cTn id="1" dur="indefinite" restart="never" nodeType="tmRoot"/>
+      </p:par>
+    </p:tnLst>
+  </p:timing>
+</p:sld>
+</file>
+
+<file path=ppt/slides/slide4.xml><?xml version="1.0" encoding="utf-8"?>
+<p:sld xmlns:a="http://schemas.openxmlformats.org/drawingml/2006/main" xmlns:r="http://schemas.openxmlformats.org/officeDocument/2006/relationships" xmlns:p="http://schemas.openxmlformats.org/presentationml/2006/main">
+  <p:cSld>
+    <p:spTree>
+      <p:nvGrpSpPr>
+        <p:cNvPr id="1" name=""/>
+        <p:cNvGrpSpPr/>
+        <p:nvPr/>
+      </p:nvGrpSpPr>
+      <p:grpSpPr>
+        <a:xfrm>
+          <a:off x="0" y="0"/>
+          <a:ext cx="0" cy="0"/>
+          <a:chOff x="0" y="0"/>
+          <a:chExt cx="0" cy="0"/>
+        </a:xfrm>
+      </p:grpSpPr>
+      <p:sp>
+        <p:nvSpPr>
+          <p:cNvPr id="24" name="Title 1"/>
+          <p:cNvSpPr txBox="1">
+            <a:spLocks/>
+          </p:cNvSpPr>
+          <p:nvPr/>
+        </p:nvSpPr>
+        <p:spPr>
+          <a:xfrm>
+            <a:off x="628650" y="365127"/>
+            <a:ext cx="7886700" cy="1172996"/>
+          </a:xfrm>
+          <a:prstGeom prst="rect">
+            <a:avLst/>
+          </a:prstGeom>
+        </p:spPr>
+        <p:txBody>
+          <a:bodyPr vert="horz" lIns="91440" tIns="45720" rIns="91440" bIns="45720" rtlCol="0" anchor="b">
+            <a:normAutofit/>
+          </a:bodyPr>
+          <a:lstStyle>
+            <a:lvl1pPr algn="ctr" defTabSz="914400" rtl="0" eaLnBrk="1" latinLnBrk="0" hangingPunct="1">
+              <a:lnSpc>
+                <a:spcPct val="90000"/>
+              </a:lnSpc>
+              <a:spcBef>
+                <a:spcPct val="0"/>
+              </a:spcBef>
+              <a:buNone/>
+              <a:defRPr sz="6000" kern="1200">
+                <a:solidFill>
+                  <a:schemeClr val="tx1"/>
+                </a:solidFill>
+                <a:latin typeface="+mj-lt"/>
+                <a:ea typeface="+mj-ea"/>
+                <a:cs typeface="+mj-cs"/>
+              </a:defRPr>
+            </a:lvl1pPr>
+          </a:lstStyle>
+          <a:p>
+            <a:r>
+              <a:rPr lang="en-US" dirty="0" smtClean="0"/>
+              <a:t>Storage Architecture</a:t>
+            </a:r>
+            <a:endParaRPr lang="en-US" dirty="0"/>
+          </a:p>
+        </p:txBody>
+      </p:sp>
+      <p:grpSp>
+        <p:nvGrpSpPr>
+          <p:cNvPr id="23" name="Group 22"/>
+          <p:cNvGrpSpPr/>
+          <p:nvPr/>
+        </p:nvGrpSpPr>
+        <p:grpSpPr>
+          <a:xfrm>
+            <a:off x="0" y="0"/>
+            <a:ext cx="9144000" cy="358726"/>
+            <a:chOff x="0" y="0"/>
+            <a:chExt cx="9144000" cy="358726"/>
+          </a:xfrm>
+        </p:grpSpPr>
+        <p:sp>
+          <p:nvSpPr>
+            <p:cNvPr id="25" name="Rectangle 24"/>
+            <p:cNvSpPr/>
+            <p:nvPr/>
+          </p:nvSpPr>
+          <p:spPr>
+            <a:xfrm>
+              <a:off x="0" y="0"/>
+              <a:ext cx="9144000" cy="358726"/>
+            </a:xfrm>
+            <a:prstGeom prst="rect">
+              <a:avLst/>
+            </a:prstGeom>
+            <a:solidFill>
+              <a:schemeClr val="bg1">
+                <a:lumMod val="85000"/>
+              </a:schemeClr>
+            </a:solidFill>
+            <a:ln>
+              <a:noFill/>
+            </a:ln>
+          </p:spPr>
+          <p:style>
+            <a:lnRef idx="2">
+              <a:schemeClr val="accent1">
+                <a:shade val="50000"/>
+              </a:schemeClr>
+            </a:lnRef>
+            <a:fillRef idx="1">
+              <a:schemeClr val="accent1"/>
+            </a:fillRef>
+            <a:effectRef idx="0">
+              <a:schemeClr val="accent1"/>
+            </a:effectRef>
+            <a:fontRef idx="minor">
+              <a:schemeClr val="lt1"/>
+            </a:fontRef>
+          </p:style>
+          <p:txBody>
+            <a:bodyPr rtlCol="0" anchor="ctr"/>
+            <a:lstStyle/>
+            <a:p>
+              <a:pPr algn="ctr"/>
+              <a:endParaRPr lang="en-US"/>
+            </a:p>
+          </p:txBody>
+        </p:sp>
+        <p:pic>
+          <p:nvPicPr>
+            <p:cNvPr id="26" name="Picture 25" descr="http://czproject.azurewebsites.net/wp-content/uploads/2013/03/cropped-cropped-CZproject-logo.png"/>
+            <p:cNvPicPr>
+              <a:picLocks noChangeAspect="1" noChangeArrowheads="1"/>
+            </p:cNvPicPr>
+            <p:nvPr/>
+          </p:nvPicPr>
+          <p:blipFill>
+            <a:blip r:embed="rId3">
+              <a:extLst>
+                <a:ext uri="{28A0092B-C50C-407E-A947-70E740481C1C}">
+                  <a14:useLocalDpi xmlns:a14="http://schemas.microsoft.com/office/drawing/2010/main" val="0"/>
+                </a:ext>
+              </a:extLst>
+            </a:blip>
+            <a:srcRect/>
+            <a:stretch>
+              <a:fillRect/>
+            </a:stretch>
+          </p:blipFill>
+          <p:spPr bwMode="auto">
+            <a:xfrm>
+              <a:off x="6991641" y="66679"/>
+              <a:ext cx="2082017" cy="249842"/>
+            </a:xfrm>
+            <a:prstGeom prst="rect">
+              <a:avLst/>
+            </a:prstGeom>
+            <a:noFill/>
+            <a:extLst>
+              <a:ext uri="{909E8E84-426E-40DD-AFC4-6F175D3DCCD1}">
+                <a14:hiddenFill xmlns:a14="http://schemas.microsoft.com/office/drawing/2010/main">
+                  <a:solidFill>
+                    <a:srgbClr val="FFFFFF"/>
+                  </a:solidFill>
+                </a14:hiddenFill>
+              </a:ext>
+            </a:extLst>
+          </p:spPr>
+        </p:pic>
+        <p:sp>
+          <p:nvSpPr>
+            <p:cNvPr id="27" name="Rectangle 26"/>
+            <p:cNvSpPr/>
+            <p:nvPr/>
+          </p:nvSpPr>
+          <p:spPr>
+            <a:xfrm>
+              <a:off x="0" y="0"/>
+              <a:ext cx="98474" cy="358726"/>
+            </a:xfrm>
+            <a:prstGeom prst="rect">
+              <a:avLst/>
+            </a:prstGeom>
+            <a:solidFill>
+              <a:schemeClr val="bg1">
+                <a:lumMod val="65000"/>
+              </a:schemeClr>
+            </a:solidFill>
+            <a:ln>
+              <a:noFill/>
+            </a:ln>
+          </p:spPr>
+          <p:style>
+            <a:lnRef idx="2">
+              <a:schemeClr val="accent1">
+                <a:shade val="50000"/>
+              </a:schemeClr>
+            </a:lnRef>
+            <a:fillRef idx="1">
+              <a:schemeClr val="accent1"/>
+            </a:fillRef>
+            <a:effectRef idx="0">
+              <a:schemeClr val="accent1"/>
+            </a:effectRef>
+            <a:fontRef idx="minor">
+              <a:schemeClr val="lt1"/>
+            </a:fontRef>
+          </p:style>
+          <p:txBody>
+            <a:bodyPr rtlCol="0" anchor="ctr"/>
+            <a:lstStyle/>
+            <a:p>
+              <a:pPr algn="ctr"/>
+              <a:endParaRPr lang="en-US"/>
+            </a:p>
+          </p:txBody>
+        </p:sp>
+      </p:grpSp>
+      <p:sp>
+        <p:nvSpPr>
+          <p:cNvPr id="30" name="Rectangle 29"/>
+          <p:cNvSpPr/>
+          <p:nvPr/>
+        </p:nvSpPr>
+        <p:spPr>
+          <a:xfrm rot="16200000">
+            <a:off x="-1083422" y="2993041"/>
+            <a:ext cx="3424143" cy="898420"/>
+          </a:xfrm>
+          <a:prstGeom prst="rect">
+            <a:avLst/>
+          </a:prstGeom>
+          <a:solidFill>
+            <a:schemeClr val="accent1">
+              <a:lumMod val="40000"/>
+              <a:lumOff val="60000"/>
+            </a:schemeClr>
+          </a:solidFill>
+          <a:ln w="28575">
+            <a:solidFill>
+              <a:schemeClr val="bg1"/>
+            </a:solidFill>
+          </a:ln>
+        </p:spPr>
+        <p:style>
+          <a:lnRef idx="2">
+            <a:schemeClr val="accent1">
+              <a:shade val="50000"/>
+            </a:schemeClr>
+          </a:lnRef>
+          <a:fillRef idx="1">
+            <a:schemeClr val="accent1"/>
+          </a:fillRef>
+          <a:effectRef idx="0">
+            <a:schemeClr val="accent1"/>
+          </a:effectRef>
+          <a:fontRef idx="minor">
+            <a:schemeClr val="lt1"/>
+          </a:fontRef>
+        </p:style>
+        <p:txBody>
+          <a:bodyPr rot="0" spcFirstLastPara="0" vertOverflow="overflow" horzOverflow="overflow" vert="horz" wrap="square" lIns="91440" tIns="45720" rIns="91440" bIns="45720" numCol="1" spcCol="0" rtlCol="0" fromWordArt="0" anchor="ctr" anchorCtr="0" forceAA="0" compatLnSpc="1">
+            <a:prstTxWarp prst="textNoShape">
+              <a:avLst/>
+            </a:prstTxWarp>
+            <a:noAutofit/>
+          </a:bodyPr>
+          <a:lstStyle/>
+          <a:p>
+            <a:pPr algn="ctr">
+              <a:lnSpc>
+                <a:spcPct val="150000"/>
+              </a:lnSpc>
+            </a:pPr>
+            <a:r>
+              <a:rPr lang="en-US" dirty="0"/>
+              <a:t>ChronoZoom </a:t>
+            </a:r>
+            <a:r>
+              <a:rPr lang="en-US" dirty="0" smtClean="0"/>
+              <a:t>Server</a:t>
+            </a:r>
+            <a:endParaRPr lang="en-US" dirty="0"/>
+          </a:p>
+        </p:txBody>
+      </p:sp>
+      <p:sp>
+        <p:nvSpPr>
+          <p:cNvPr id="33" name="Rectangle 32"/>
+          <p:cNvSpPr/>
+          <p:nvPr/>
+        </p:nvSpPr>
+        <p:spPr>
+          <a:xfrm>
+            <a:off x="1328929" y="2221077"/>
+            <a:ext cx="1463040" cy="1133856"/>
+          </a:xfrm>
+          <a:prstGeom prst="rect">
+            <a:avLst/>
+          </a:prstGeom>
+          <a:solidFill>
+            <a:schemeClr val="accent1">
+              <a:lumMod val="50000"/>
+            </a:schemeClr>
+          </a:solidFill>
+          <a:ln>
+            <a:noFill/>
+          </a:ln>
+        </p:spPr>
+        <p:style>
+          <a:lnRef idx="2">
+            <a:schemeClr val="accent1">
+              <a:shade val="50000"/>
+            </a:schemeClr>
+          </a:lnRef>
+          <a:fillRef idx="1">
+            <a:schemeClr val="accent1"/>
+          </a:fillRef>
+          <a:effectRef idx="0">
+            <a:schemeClr val="accent1"/>
+          </a:effectRef>
+          <a:fontRef idx="minor">
+            <a:schemeClr val="lt1"/>
+          </a:fontRef>
+        </p:style>
+        <p:txBody>
+          <a:bodyPr rtlCol="0" anchor="ctr"/>
+          <a:lstStyle/>
+          <a:p>
+            <a:pPr algn="ctr"/>
+            <a:r>
+              <a:rPr lang="en-US" dirty="0" smtClean="0"/>
+              <a:t>Storage</a:t>
+            </a:r>
+          </a:p>
+          <a:p>
+            <a:pPr algn="ctr"/>
+            <a:r>
+              <a:rPr lang="en-US" sz="1400" dirty="0" smtClean="0"/>
+              <a:t>(storage.cs)</a:t>
+            </a:r>
+            <a:endParaRPr lang="en-US" sz="1400" dirty="0"/>
+          </a:p>
+        </p:txBody>
+      </p:sp>
+      <p:sp>
+        <p:nvSpPr>
+          <p:cNvPr id="34" name="Rectangle 33"/>
+          <p:cNvSpPr/>
+          <p:nvPr/>
+        </p:nvSpPr>
+        <p:spPr>
+          <a:xfrm>
+            <a:off x="3345177" y="2221077"/>
+            <a:ext cx="1463040" cy="1133856"/>
+          </a:xfrm>
+          <a:prstGeom prst="rect">
+            <a:avLst/>
+          </a:prstGeom>
+          <a:solidFill>
+            <a:schemeClr val="accent1">
+              <a:lumMod val="50000"/>
+            </a:schemeClr>
+          </a:solidFill>
+          <a:ln>
+            <a:noFill/>
+          </a:ln>
+        </p:spPr>
+        <p:style>
+          <a:lnRef idx="2">
+            <a:schemeClr val="accent1">
+              <a:shade val="50000"/>
+            </a:schemeClr>
+          </a:lnRef>
+          <a:fillRef idx="1">
+            <a:schemeClr val="accent1"/>
+          </a:fillRef>
+          <a:effectRef idx="0">
+            <a:schemeClr val="accent1"/>
+          </a:effectRef>
+          <a:fontRef idx="minor">
+            <a:schemeClr val="lt1"/>
+          </a:fontRef>
+        </p:style>
+        <p:txBody>
+          <a:bodyPr rtlCol="0" anchor="ctr"/>
+          <a:lstStyle/>
+          <a:p>
+            <a:pPr algn="ctr"/>
+            <a:r>
+              <a:rPr lang="en-US" dirty="0" smtClean="0"/>
+              <a:t>Timeline</a:t>
+            </a:r>
+          </a:p>
+          <a:p>
+            <a:pPr algn="ctr"/>
+            <a:r>
+              <a:rPr lang="en-US" sz="1400" dirty="0" smtClean="0"/>
+              <a:t>(timeline.cs)</a:t>
+            </a:r>
+            <a:endParaRPr lang="en-US" sz="1400" dirty="0"/>
+          </a:p>
+        </p:txBody>
+      </p:sp>
+      <p:cxnSp>
+        <p:nvCxnSpPr>
+          <p:cNvPr id="40" name="Straight Connector 39"/>
+          <p:cNvCxnSpPr/>
+          <p:nvPr/>
+        </p:nvCxnSpPr>
+        <p:spPr>
+          <a:xfrm>
+            <a:off x="409280" y="6510528"/>
+            <a:ext cx="8347153" cy="0"/>
+          </a:xfrm>
+          <a:prstGeom prst="line">
+            <a:avLst/>
+          </a:prstGeom>
+          <a:ln w="28575">
+            <a:solidFill>
+              <a:schemeClr val="accent2"/>
+            </a:solidFill>
+            <a:headEnd type="oval" w="med" len="med"/>
+            <a:tailEnd type="oval" w="med" len="med"/>
+          </a:ln>
+        </p:spPr>
+        <p:style>
+          <a:lnRef idx="1">
+            <a:schemeClr val="accent2"/>
+          </a:lnRef>
+          <a:fillRef idx="0">
+            <a:schemeClr val="accent2"/>
+          </a:fillRef>
+          <a:effectRef idx="0">
+            <a:schemeClr val="accent2"/>
+          </a:effectRef>
+          <a:fontRef idx="minor">
+            <a:schemeClr val="tx1"/>
+          </a:fontRef>
+        </p:style>
+      </p:cxnSp>
+      <p:sp>
+        <p:nvSpPr>
+          <p:cNvPr id="44" name="TextBox 43"/>
+          <p:cNvSpPr txBox="1"/>
+          <p:nvPr/>
+        </p:nvSpPr>
+        <p:spPr>
+          <a:xfrm>
+            <a:off x="2231137" y="6329506"/>
+            <a:ext cx="4584192" cy="369332"/>
+          </a:xfrm>
+          <a:prstGeom prst="rect">
+            <a:avLst/>
+          </a:prstGeom>
+          <a:solidFill>
+            <a:schemeClr val="bg1"/>
+          </a:solidFill>
+        </p:spPr>
+        <p:txBody>
+          <a:bodyPr wrap="square" rtlCol="0">
+            <a:spAutoFit/>
+          </a:bodyPr>
+          <a:lstStyle/>
+          <a:p>
+            <a:pPr algn="ctr"/>
+            <a:r>
+              <a:rPr lang="en-US" dirty="0" smtClean="0">
+                <a:solidFill>
+                  <a:schemeClr val="accent2"/>
+                </a:solidFill>
+              </a:rPr>
+              <a:t>github.com/alterm4nn/</a:t>
+            </a:r>
+            <a:r>
+              <a:rPr lang="en-US" dirty="0" err="1" smtClean="0">
+                <a:solidFill>
+                  <a:schemeClr val="accent2"/>
+                </a:solidFill>
+              </a:rPr>
+              <a:t>ChronoZoom.Entities</a:t>
+            </a:r>
+            <a:endParaRPr lang="en-US" dirty="0">
+              <a:solidFill>
+                <a:schemeClr val="accent2"/>
+              </a:solidFill>
+            </a:endParaRPr>
+          </a:p>
+        </p:txBody>
+      </p:sp>
+      <p:sp>
+        <p:nvSpPr>
+          <p:cNvPr id="47" name="Rectangle 46"/>
+          <p:cNvSpPr/>
+          <p:nvPr/>
+        </p:nvSpPr>
+        <p:spPr>
+          <a:xfrm>
+            <a:off x="4918794" y="2221077"/>
+            <a:ext cx="1463040" cy="1133856"/>
+          </a:xfrm>
+          <a:prstGeom prst="rect">
+            <a:avLst/>
+          </a:prstGeom>
+          <a:solidFill>
+            <a:schemeClr val="accent1">
+              <a:lumMod val="50000"/>
+            </a:schemeClr>
+          </a:solidFill>
+          <a:ln>
+            <a:noFill/>
+          </a:ln>
+        </p:spPr>
+        <p:style>
+          <a:lnRef idx="2">
+            <a:schemeClr val="accent1">
+              <a:shade val="50000"/>
+            </a:schemeClr>
+          </a:lnRef>
+          <a:fillRef idx="1">
+            <a:schemeClr val="accent1"/>
+          </a:fillRef>
+          <a:effectRef idx="0">
+            <a:schemeClr val="accent1"/>
+          </a:effectRef>
+          <a:fontRef idx="minor">
+            <a:schemeClr val="lt1"/>
+          </a:fontRef>
+        </p:style>
+        <p:txBody>
+          <a:bodyPr rtlCol="0" anchor="ctr"/>
+          <a:lstStyle/>
+          <a:p>
+            <a:pPr algn="ctr"/>
+            <a:r>
+              <a:rPr lang="en-US" dirty="0" smtClean="0"/>
+              <a:t>Exhibit</a:t>
+            </a:r>
+          </a:p>
+          <a:p>
+            <a:pPr algn="ctr"/>
+            <a:r>
+              <a:rPr lang="en-US" sz="1400" dirty="0" smtClean="0"/>
+              <a:t>(exhibit.cs)</a:t>
+            </a:r>
+            <a:endParaRPr lang="en-US" sz="1400" dirty="0"/>
+          </a:p>
+        </p:txBody>
+      </p:sp>
+      <p:sp>
+        <p:nvSpPr>
+          <p:cNvPr id="48" name="Rectangle 47"/>
+          <p:cNvSpPr/>
+          <p:nvPr/>
+        </p:nvSpPr>
+        <p:spPr>
+          <a:xfrm>
+            <a:off x="6492411" y="2221077"/>
+            <a:ext cx="1463040" cy="1133856"/>
+          </a:xfrm>
+          <a:prstGeom prst="rect">
+            <a:avLst/>
+          </a:prstGeom>
+          <a:solidFill>
+            <a:schemeClr val="accent1">
+              <a:lumMod val="50000"/>
+            </a:schemeClr>
+          </a:solidFill>
+          <a:ln>
+            <a:noFill/>
+          </a:ln>
+        </p:spPr>
+        <p:style>
+          <a:lnRef idx="2">
+            <a:schemeClr val="accent1">
+              <a:shade val="50000"/>
+            </a:schemeClr>
+          </a:lnRef>
+          <a:fillRef idx="1">
+            <a:schemeClr val="accent1"/>
+          </a:fillRef>
+          <a:effectRef idx="0">
+            <a:schemeClr val="accent1"/>
+          </a:effectRef>
+          <a:fontRef idx="minor">
+            <a:schemeClr val="lt1"/>
+          </a:fontRef>
+        </p:style>
+        <p:txBody>
+          <a:bodyPr rtlCol="0" anchor="ctr"/>
+          <a:lstStyle/>
+          <a:p>
+            <a:pPr algn="ctr"/>
+            <a:r>
+              <a:rPr lang="en-US" dirty="0" smtClean="0"/>
+              <a:t>Content Item</a:t>
+            </a:r>
+          </a:p>
+          <a:p>
+            <a:pPr algn="ctr"/>
+            <a:r>
+              <a:rPr lang="en-US" sz="1400" dirty="0" smtClean="0"/>
+              <a:t>(contentitem.cs)</a:t>
+            </a:r>
+            <a:endParaRPr lang="en-US" sz="1400" dirty="0"/>
+          </a:p>
+        </p:txBody>
+      </p:sp>
+      <p:sp>
+        <p:nvSpPr>
+          <p:cNvPr id="49" name="Rectangle 48"/>
+          <p:cNvSpPr/>
+          <p:nvPr/>
+        </p:nvSpPr>
+        <p:spPr>
+          <a:xfrm>
+            <a:off x="1328929" y="3483841"/>
+            <a:ext cx="1463040" cy="1133856"/>
+          </a:xfrm>
+          <a:prstGeom prst="rect">
+            <a:avLst/>
+          </a:prstGeom>
+          <a:solidFill>
+            <a:schemeClr val="accent1">
+              <a:lumMod val="50000"/>
+            </a:schemeClr>
+          </a:solidFill>
+          <a:ln>
+            <a:noFill/>
+          </a:ln>
+        </p:spPr>
+        <p:style>
+          <a:lnRef idx="2">
+            <a:schemeClr val="accent1">
+              <a:shade val="50000"/>
+            </a:schemeClr>
+          </a:lnRef>
+          <a:fillRef idx="1">
+            <a:schemeClr val="accent1"/>
+          </a:fillRef>
+          <a:effectRef idx="0">
+            <a:schemeClr val="accent1"/>
+          </a:effectRef>
+          <a:fontRef idx="minor">
+            <a:schemeClr val="lt1"/>
+          </a:fontRef>
+        </p:style>
+        <p:txBody>
+          <a:bodyPr rtlCol="0" anchor="ctr"/>
+          <a:lstStyle/>
+          <a:p>
+            <a:pPr algn="ctr"/>
+            <a:r>
+              <a:rPr lang="en-US" dirty="0" smtClean="0"/>
+              <a:t>Migration</a:t>
+            </a:r>
+          </a:p>
+          <a:p>
+            <a:pPr algn="ctr"/>
+            <a:r>
+              <a:rPr lang="en-US" sz="1400" dirty="0" smtClean="0"/>
+              <a:t>(migration/*)</a:t>
+            </a:r>
+            <a:endParaRPr lang="en-US" sz="1400" dirty="0"/>
+          </a:p>
+        </p:txBody>
+      </p:sp>
+      <p:sp>
+        <p:nvSpPr>
+          <p:cNvPr id="15" name="Rectangle 14"/>
+          <p:cNvSpPr/>
+          <p:nvPr/>
+        </p:nvSpPr>
+        <p:spPr>
+          <a:xfrm>
+            <a:off x="6492411" y="3457397"/>
+            <a:ext cx="1463040" cy="1133856"/>
+          </a:xfrm>
+          <a:prstGeom prst="rect">
+            <a:avLst/>
+          </a:prstGeom>
+          <a:solidFill>
+            <a:schemeClr val="accent1">
+              <a:lumMod val="50000"/>
+            </a:schemeClr>
+          </a:solidFill>
+          <a:ln>
+            <a:noFill/>
+          </a:ln>
+        </p:spPr>
+        <p:style>
+          <a:lnRef idx="2">
+            <a:schemeClr val="accent1">
+              <a:shade val="50000"/>
+            </a:schemeClr>
+          </a:lnRef>
+          <a:fillRef idx="1">
+            <a:schemeClr val="accent1"/>
+          </a:fillRef>
+          <a:effectRef idx="0">
+            <a:schemeClr val="accent1"/>
+          </a:effectRef>
+          <a:fontRef idx="minor">
+            <a:schemeClr val="lt1"/>
+          </a:fontRef>
+        </p:style>
+        <p:txBody>
+          <a:bodyPr rtlCol="0" anchor="ctr"/>
+          <a:lstStyle/>
+          <a:p>
+            <a:pPr algn="ctr"/>
+            <a:r>
+              <a:rPr lang="en-US" dirty="0" smtClean="0"/>
+              <a:t>Triples</a:t>
+            </a:r>
+            <a:endParaRPr lang="en-US" dirty="0" smtClean="0"/>
+          </a:p>
+          <a:p>
+            <a:pPr algn="ctr"/>
+            <a:r>
+              <a:rPr lang="en-US" sz="1400" dirty="0" smtClean="0"/>
+              <a:t>(Triple*.cs</a:t>
+            </a:r>
+            <a:r>
+              <a:rPr lang="en-US" sz="1400" dirty="0" smtClean="0"/>
+              <a:t>)</a:t>
+            </a:r>
+            <a:endParaRPr lang="en-US" sz="1400" dirty="0"/>
+          </a:p>
+        </p:txBody>
+      </p:sp>
+    </p:spTree>
+    <p:extLst>
+      <p:ext uri="{BB962C8B-B14F-4D97-AF65-F5344CB8AC3E}">
+        <p14:creationId xmlns:p14="http://schemas.microsoft.com/office/powerpoint/2010/main" val="1627289005"/>
       </p:ext>
     </p:extLst>
   </p:cSld>
